--- a/PizzaWarz.gmx/SheBang/PizzaWarz.pptx
+++ b/PizzaWarz.gmx/SheBang/PizzaWarz.pptx
@@ -5,7 +5,7 @@
     <p:sldMasterId id="2147483690" r:id="rId4"/>
   </p:sldMasterIdLst>
   <p:notesMasterIdLst>
-    <p:notesMasterId r:id="rId22"/>
+    <p:notesMasterId r:id="rId23"/>
   </p:notesMasterIdLst>
   <p:sldIdLst>
     <p:sldId id="257" r:id="rId5"/>
@@ -22,9 +22,10 @@
     <p:sldId id="275" r:id="rId16"/>
     <p:sldId id="276" r:id="rId17"/>
     <p:sldId id="277" r:id="rId18"/>
-    <p:sldId id="278" r:id="rId19"/>
-    <p:sldId id="279" r:id="rId20"/>
-    <p:sldId id="280" r:id="rId21"/>
+    <p:sldId id="281" r:id="rId19"/>
+    <p:sldId id="278" r:id="rId20"/>
+    <p:sldId id="279" r:id="rId21"/>
+    <p:sldId id="280" r:id="rId22"/>
   </p:sldIdLst>
   <p:sldSz cx="12192000" cy="6858000"/>
   <p:notesSz cx="7010400" cy="9296400"/>
@@ -228,7 +229,7 @@
           <a:p>
             <a:fld id="{96787BD6-5DE9-4CB9-A40D-CD71FF810801}" type="datetimeFigureOut">
               <a:rPr lang="en-US" smtClean="0"/>
-              <a:t>2/9/2017</a:t>
+              <a:t>2/10/2017</a:t>
             </a:fld>
             <a:endParaRPr lang="en-US"/>
           </a:p>
@@ -849,40 +850,16 @@
           <a:p>
             <a:r>
               <a:rPr lang="en-US" baseline="0" dirty="0" smtClean="0"/>
-              <a:t>Next we thought of having some sprites such a “Game Start”, “Game Over”, “Successful Delivery”, and “Failed Delivery”. Instead we created our own font and used that for all text in our game. </a:t>
-            </a:r>
+              <a:t>Next we thought of having some sprites such a “Game Start”, “Game Over”, “Successful Delivery”, and “Failed Delivery”. Instead we created our own font and used that for all text in our game. This would include the credits, timer, and High Scores.</a:t>
+            </a:r>
+          </a:p>
+          <a:p>
+            <a:endParaRPr lang="en-US" baseline="0" dirty="0" smtClean="0"/>
+          </a:p>
+          <a:p>
             <a:r>
               <a:rPr lang="en-US" baseline="0" dirty="0" smtClean="0"/>
-              <a:t>This would include </a:t>
-            </a:r>
-            <a:r>
-              <a:rPr lang="en-US" baseline="0" dirty="0" smtClean="0"/>
-              <a:t>the </a:t>
-            </a:r>
-            <a:r>
-              <a:rPr lang="en-US" baseline="0" dirty="0" smtClean="0"/>
-              <a:t>credits, timer, </a:t>
-            </a:r>
-            <a:r>
-              <a:rPr lang="en-US" baseline="0" dirty="0" smtClean="0"/>
-              <a:t>and High Scores.</a:t>
-            </a:r>
-          </a:p>
-          <a:p>
-            <a:endParaRPr lang="en-US" baseline="0" dirty="0" smtClean="0"/>
-          </a:p>
-          <a:p>
-            <a:r>
-              <a:rPr lang="en-US" baseline="0" dirty="0" smtClean="0"/>
-              <a:t>Lastly we implemented a Radio that can play through </a:t>
-            </a:r>
-            <a:r>
-              <a:rPr lang="en-US" baseline="0" dirty="0" smtClean="0"/>
-              <a:t>a wide variety of songs </a:t>
-            </a:r>
-            <a:r>
-              <a:rPr lang="en-US" baseline="0" dirty="0" smtClean="0"/>
-              <a:t>in the game. </a:t>
+              <a:t>Lastly we implemented a Radio that can play through a wide variety of songs in the game. </a:t>
             </a:r>
           </a:p>
         </p:txBody>
@@ -1431,7 +1408,7 @@
           <a:p>
             <a:fld id="{565A5724-C1B6-42E6-B8C9-6D317929D19C}" type="slidenum">
               <a:rPr lang="en-US" smtClean="0"/>
-              <a:t>15</a:t>
+              <a:t>16</a:t>
             </a:fld>
             <a:endParaRPr lang="en-US"/>
           </a:p>
@@ -1542,7 +1519,7 @@
           <a:p>
             <a:fld id="{565A5724-C1B6-42E6-B8C9-6D317929D19C}" type="slidenum">
               <a:rPr lang="en-US" smtClean="0"/>
-              <a:t>16</a:t>
+              <a:t>17</a:t>
             </a:fld>
             <a:endParaRPr lang="en-US"/>
           </a:p>
@@ -1626,7 +1603,7 @@
           <a:p>
             <a:fld id="{565A5724-C1B6-42E6-B8C9-6D317929D19C}" type="slidenum">
               <a:rPr lang="en-US" smtClean="0"/>
-              <a:t>17</a:t>
+              <a:t>18</a:t>
             </a:fld>
             <a:endParaRPr lang="en-US"/>
           </a:p>
@@ -2536,7 +2513,7 @@
           <a:p>
             <a:fld id="{ECB0E4CC-E83B-43A7-8724-8FD5E692F835}" type="datetimeFigureOut">
               <a:rPr lang="en-US" smtClean="0"/>
-              <a:t>2/9/2017</a:t>
+              <a:t>2/10/2017</a:t>
             </a:fld>
             <a:endParaRPr lang="en-US" dirty="0"/>
           </a:p>
@@ -2718,7 +2695,7 @@
           <a:p>
             <a:fld id="{ECB0E4CC-E83B-43A7-8724-8FD5E692F835}" type="datetimeFigureOut">
               <a:rPr lang="en-US" smtClean="0"/>
-              <a:t>2/9/2017</a:t>
+              <a:t>2/10/2017</a:t>
             </a:fld>
             <a:endParaRPr lang="en-US" dirty="0"/>
           </a:p>
@@ -2910,7 +2887,7 @@
           <a:p>
             <a:fld id="{ECB0E4CC-E83B-43A7-8724-8FD5E692F835}" type="datetimeFigureOut">
               <a:rPr lang="en-US" smtClean="0"/>
-              <a:t>2/9/2017</a:t>
+              <a:t>2/10/2017</a:t>
             </a:fld>
             <a:endParaRPr lang="en-US" dirty="0"/>
           </a:p>
@@ -3092,7 +3069,7 @@
           <a:p>
             <a:fld id="{ECB0E4CC-E83B-43A7-8724-8FD5E692F835}" type="datetimeFigureOut">
               <a:rPr lang="en-US" smtClean="0"/>
-              <a:t>2/9/2017</a:t>
+              <a:t>2/10/2017</a:t>
             </a:fld>
             <a:endParaRPr lang="en-US" dirty="0"/>
           </a:p>
@@ -3296,7 +3273,7 @@
           <a:p>
             <a:fld id="{ECB0E4CC-E83B-43A7-8724-8FD5E692F835}" type="datetimeFigureOut">
               <a:rPr lang="en-US" smtClean="0"/>
-              <a:t>2/9/2017</a:t>
+              <a:t>2/10/2017</a:t>
             </a:fld>
             <a:endParaRPr lang="en-US" dirty="0"/>
           </a:p>
@@ -3540,7 +3517,7 @@
           <a:p>
             <a:fld id="{ECB0E4CC-E83B-43A7-8724-8FD5E692F835}" type="datetimeFigureOut">
               <a:rPr lang="en-US" smtClean="0"/>
-              <a:t>2/9/2017</a:t>
+              <a:t>2/10/2017</a:t>
             </a:fld>
             <a:endParaRPr lang="en-US" dirty="0"/>
           </a:p>
@@ -3919,7 +3896,7 @@
           <a:p>
             <a:fld id="{ECB0E4CC-E83B-43A7-8724-8FD5E692F835}" type="datetimeFigureOut">
               <a:rPr lang="en-US" smtClean="0"/>
-              <a:t>2/9/2017</a:t>
+              <a:t>2/10/2017</a:t>
             </a:fld>
             <a:endParaRPr lang="en-US" dirty="0"/>
           </a:p>
@@ -4049,7 +4026,7 @@
           <a:p>
             <a:fld id="{ECB0E4CC-E83B-43A7-8724-8FD5E692F835}" type="datetimeFigureOut">
               <a:rPr lang="en-US" smtClean="0"/>
-              <a:t>2/9/2017</a:t>
+              <a:t>2/10/2017</a:t>
             </a:fld>
             <a:endParaRPr lang="en-US" dirty="0"/>
           </a:p>
@@ -4156,7 +4133,7 @@
           <a:p>
             <a:fld id="{ECB0E4CC-E83B-43A7-8724-8FD5E692F835}" type="datetimeFigureOut">
               <a:rPr lang="en-US" smtClean="0"/>
-              <a:t>2/9/2017</a:t>
+              <a:t>2/10/2017</a:t>
             </a:fld>
             <a:endParaRPr lang="en-US" dirty="0"/>
           </a:p>
@@ -4445,7 +4422,7 @@
           <a:p>
             <a:fld id="{ECB0E4CC-E83B-43A7-8724-8FD5E692F835}" type="datetimeFigureOut">
               <a:rPr lang="en-US" smtClean="0"/>
-              <a:t>2/9/2017</a:t>
+              <a:t>2/10/2017</a:t>
             </a:fld>
             <a:endParaRPr lang="en-US" dirty="0"/>
           </a:p>
@@ -4714,7 +4691,7 @@
           <a:p>
             <a:fld id="{ECB0E4CC-E83B-43A7-8724-8FD5E692F835}" type="datetimeFigureOut">
               <a:rPr lang="en-US" smtClean="0"/>
-              <a:t>2/9/2017</a:t>
+              <a:t>2/10/2017</a:t>
             </a:fld>
             <a:endParaRPr lang="en-US" dirty="0"/>
           </a:p>
@@ -5042,7 +5019,7 @@
           <a:p>
             <a:fld id="{ECB0E4CC-E83B-43A7-8724-8FD5E692F835}" type="datetimeFigureOut">
               <a:rPr lang="en-US" smtClean="0"/>
-              <a:t>2/9/2017</a:t>
+              <a:t>2/10/2017</a:t>
             </a:fld>
             <a:endParaRPr lang="en-US" dirty="0"/>
           </a:p>
@@ -6992,7 +6969,6 @@
               <a:rPr lang="en-US" dirty="0" smtClean="0"/>
               <a:t>Timer</a:t>
             </a:r>
-            <a:endParaRPr lang="en-US" dirty="0" smtClean="0"/>
           </a:p>
           <a:p>
             <a:pPr>
@@ -7001,11 +6977,7 @@
             </a:pPr>
             <a:r>
               <a:rPr lang="en-US" dirty="0" smtClean="0"/>
-              <a:t>High </a:t>
-            </a:r>
-            <a:r>
-              <a:rPr lang="en-US" dirty="0" smtClean="0"/>
-              <a:t>Scores</a:t>
+              <a:t>High Scores</a:t>
             </a:r>
           </a:p>
           <a:p>
@@ -7021,7 +6993,6 @@
               <a:rPr lang="en-US" dirty="0" smtClean="0"/>
               <a:t>Font</a:t>
             </a:r>
-            <a:endParaRPr lang="en-US" dirty="0" smtClean="0"/>
           </a:p>
           <a:p>
             <a:pPr>
@@ -8580,6 +8551,466 @@
                       </p:childTnLst>
                     </p:cTn>
                   </p:par>
+                  <p:par>
+                    <p:cTn id="31" fill="hold">
+                      <p:stCondLst>
+                        <p:cond delay="indefinite"/>
+                      </p:stCondLst>
+                      <p:childTnLst>
+                        <p:par>
+                          <p:cTn id="32" fill="hold">
+                            <p:stCondLst>
+                              <p:cond delay="0"/>
+                            </p:stCondLst>
+                            <p:childTnLst>
+                              <p:par>
+                                <p:cTn id="33" presetID="42" presetClass="entr" presetSubtype="0" fill="hold" grpId="0" nodeType="clickEffect">
+                                  <p:stCondLst>
+                                    <p:cond delay="0"/>
+                                  </p:stCondLst>
+                                  <p:childTnLst>
+                                    <p:set>
+                                      <p:cBhvr>
+                                        <p:cTn id="34" dur="1" fill="hold">
+                                          <p:stCondLst>
+                                            <p:cond delay="0"/>
+                                          </p:stCondLst>
+                                        </p:cTn>
+                                        <p:tgtEl>
+                                          <p:spTgt spid="6">
+                                            <p:txEl>
+                                              <p:pRg st="0" end="0"/>
+                                            </p:txEl>
+                                          </p:spTgt>
+                                        </p:tgtEl>
+                                        <p:attrNameLst>
+                                          <p:attrName>style.visibility</p:attrName>
+                                        </p:attrNameLst>
+                                      </p:cBhvr>
+                                      <p:to>
+                                        <p:strVal val="visible"/>
+                                      </p:to>
+                                    </p:set>
+                                    <p:animEffect transition="in" filter="fade">
+                                      <p:cBhvr>
+                                        <p:cTn id="35" dur="1000"/>
+                                        <p:tgtEl>
+                                          <p:spTgt spid="6">
+                                            <p:txEl>
+                                              <p:pRg st="0" end="0"/>
+                                            </p:txEl>
+                                          </p:spTgt>
+                                        </p:tgtEl>
+                                      </p:cBhvr>
+                                    </p:animEffect>
+                                    <p:anim calcmode="lin" valueType="num">
+                                      <p:cBhvr>
+                                        <p:cTn id="36" dur="1000" fill="hold"/>
+                                        <p:tgtEl>
+                                          <p:spTgt spid="6">
+                                            <p:txEl>
+                                              <p:pRg st="0" end="0"/>
+                                            </p:txEl>
+                                          </p:spTgt>
+                                        </p:tgtEl>
+                                        <p:attrNameLst>
+                                          <p:attrName>ppt_x</p:attrName>
+                                        </p:attrNameLst>
+                                      </p:cBhvr>
+                                      <p:tavLst>
+                                        <p:tav tm="0">
+                                          <p:val>
+                                            <p:strVal val="#ppt_x"/>
+                                          </p:val>
+                                        </p:tav>
+                                        <p:tav tm="100000">
+                                          <p:val>
+                                            <p:strVal val="#ppt_x"/>
+                                          </p:val>
+                                        </p:tav>
+                                      </p:tavLst>
+                                    </p:anim>
+                                    <p:anim calcmode="lin" valueType="num">
+                                      <p:cBhvr>
+                                        <p:cTn id="37" dur="1000" fill="hold"/>
+                                        <p:tgtEl>
+                                          <p:spTgt spid="6">
+                                            <p:txEl>
+                                              <p:pRg st="0" end="0"/>
+                                            </p:txEl>
+                                          </p:spTgt>
+                                        </p:tgtEl>
+                                        <p:attrNameLst>
+                                          <p:attrName>ppt_y</p:attrName>
+                                        </p:attrNameLst>
+                                      </p:cBhvr>
+                                      <p:tavLst>
+                                        <p:tav tm="0">
+                                          <p:val>
+                                            <p:strVal val="#ppt_y+.1"/>
+                                          </p:val>
+                                        </p:tav>
+                                        <p:tav tm="100000">
+                                          <p:val>
+                                            <p:strVal val="#ppt_y"/>
+                                          </p:val>
+                                        </p:tav>
+                                      </p:tavLst>
+                                    </p:anim>
+                                  </p:childTnLst>
+                                </p:cTn>
+                              </p:par>
+                            </p:childTnLst>
+                          </p:cTn>
+                        </p:par>
+                      </p:childTnLst>
+                    </p:cTn>
+                  </p:par>
+                  <p:par>
+                    <p:cTn id="38" fill="hold">
+                      <p:stCondLst>
+                        <p:cond delay="indefinite"/>
+                      </p:stCondLst>
+                      <p:childTnLst>
+                        <p:par>
+                          <p:cTn id="39" fill="hold">
+                            <p:stCondLst>
+                              <p:cond delay="0"/>
+                            </p:stCondLst>
+                            <p:childTnLst>
+                              <p:par>
+                                <p:cTn id="40" presetID="42" presetClass="entr" presetSubtype="0" fill="hold" grpId="0" nodeType="clickEffect">
+                                  <p:stCondLst>
+                                    <p:cond delay="0"/>
+                                  </p:stCondLst>
+                                  <p:childTnLst>
+                                    <p:set>
+                                      <p:cBhvr>
+                                        <p:cTn id="41" dur="1" fill="hold">
+                                          <p:stCondLst>
+                                            <p:cond delay="0"/>
+                                          </p:stCondLst>
+                                        </p:cTn>
+                                        <p:tgtEl>
+                                          <p:spTgt spid="6">
+                                            <p:txEl>
+                                              <p:pRg st="1" end="1"/>
+                                            </p:txEl>
+                                          </p:spTgt>
+                                        </p:tgtEl>
+                                        <p:attrNameLst>
+                                          <p:attrName>style.visibility</p:attrName>
+                                        </p:attrNameLst>
+                                      </p:cBhvr>
+                                      <p:to>
+                                        <p:strVal val="visible"/>
+                                      </p:to>
+                                    </p:set>
+                                    <p:animEffect transition="in" filter="fade">
+                                      <p:cBhvr>
+                                        <p:cTn id="42" dur="1000"/>
+                                        <p:tgtEl>
+                                          <p:spTgt spid="6">
+                                            <p:txEl>
+                                              <p:pRg st="1" end="1"/>
+                                            </p:txEl>
+                                          </p:spTgt>
+                                        </p:tgtEl>
+                                      </p:cBhvr>
+                                    </p:animEffect>
+                                    <p:anim calcmode="lin" valueType="num">
+                                      <p:cBhvr>
+                                        <p:cTn id="43" dur="1000" fill="hold"/>
+                                        <p:tgtEl>
+                                          <p:spTgt spid="6">
+                                            <p:txEl>
+                                              <p:pRg st="1" end="1"/>
+                                            </p:txEl>
+                                          </p:spTgt>
+                                        </p:tgtEl>
+                                        <p:attrNameLst>
+                                          <p:attrName>ppt_x</p:attrName>
+                                        </p:attrNameLst>
+                                      </p:cBhvr>
+                                      <p:tavLst>
+                                        <p:tav tm="0">
+                                          <p:val>
+                                            <p:strVal val="#ppt_x"/>
+                                          </p:val>
+                                        </p:tav>
+                                        <p:tav tm="100000">
+                                          <p:val>
+                                            <p:strVal val="#ppt_x"/>
+                                          </p:val>
+                                        </p:tav>
+                                      </p:tavLst>
+                                    </p:anim>
+                                    <p:anim calcmode="lin" valueType="num">
+                                      <p:cBhvr>
+                                        <p:cTn id="44" dur="1000" fill="hold"/>
+                                        <p:tgtEl>
+                                          <p:spTgt spid="6">
+                                            <p:txEl>
+                                              <p:pRg st="1" end="1"/>
+                                            </p:txEl>
+                                          </p:spTgt>
+                                        </p:tgtEl>
+                                        <p:attrNameLst>
+                                          <p:attrName>ppt_y</p:attrName>
+                                        </p:attrNameLst>
+                                      </p:cBhvr>
+                                      <p:tavLst>
+                                        <p:tav tm="0">
+                                          <p:val>
+                                            <p:strVal val="#ppt_y+.1"/>
+                                          </p:val>
+                                        </p:tav>
+                                        <p:tav tm="100000">
+                                          <p:val>
+                                            <p:strVal val="#ppt_y"/>
+                                          </p:val>
+                                        </p:tav>
+                                      </p:tavLst>
+                                    </p:anim>
+                                  </p:childTnLst>
+                                </p:cTn>
+                              </p:par>
+                            </p:childTnLst>
+                          </p:cTn>
+                        </p:par>
+                      </p:childTnLst>
+                    </p:cTn>
+                  </p:par>
+                  <p:par>
+                    <p:cTn id="45" fill="hold">
+                      <p:stCondLst>
+                        <p:cond delay="indefinite"/>
+                      </p:stCondLst>
+                      <p:childTnLst>
+                        <p:par>
+                          <p:cTn id="46" fill="hold">
+                            <p:stCondLst>
+                              <p:cond delay="0"/>
+                            </p:stCondLst>
+                            <p:childTnLst>
+                              <p:par>
+                                <p:cTn id="47" presetID="42" presetClass="entr" presetSubtype="0" fill="hold" grpId="0" nodeType="clickEffect">
+                                  <p:stCondLst>
+                                    <p:cond delay="0"/>
+                                  </p:stCondLst>
+                                  <p:childTnLst>
+                                    <p:set>
+                                      <p:cBhvr>
+                                        <p:cTn id="48" dur="1" fill="hold">
+                                          <p:stCondLst>
+                                            <p:cond delay="0"/>
+                                          </p:stCondLst>
+                                        </p:cTn>
+                                        <p:tgtEl>
+                                          <p:spTgt spid="6">
+                                            <p:txEl>
+                                              <p:pRg st="2" end="2"/>
+                                            </p:txEl>
+                                          </p:spTgt>
+                                        </p:tgtEl>
+                                        <p:attrNameLst>
+                                          <p:attrName>style.visibility</p:attrName>
+                                        </p:attrNameLst>
+                                      </p:cBhvr>
+                                      <p:to>
+                                        <p:strVal val="visible"/>
+                                      </p:to>
+                                    </p:set>
+                                    <p:animEffect transition="in" filter="fade">
+                                      <p:cBhvr>
+                                        <p:cTn id="49" dur="1000"/>
+                                        <p:tgtEl>
+                                          <p:spTgt spid="6">
+                                            <p:txEl>
+                                              <p:pRg st="2" end="2"/>
+                                            </p:txEl>
+                                          </p:spTgt>
+                                        </p:tgtEl>
+                                      </p:cBhvr>
+                                    </p:animEffect>
+                                    <p:anim calcmode="lin" valueType="num">
+                                      <p:cBhvr>
+                                        <p:cTn id="50" dur="1000" fill="hold"/>
+                                        <p:tgtEl>
+                                          <p:spTgt spid="6">
+                                            <p:txEl>
+                                              <p:pRg st="2" end="2"/>
+                                            </p:txEl>
+                                          </p:spTgt>
+                                        </p:tgtEl>
+                                        <p:attrNameLst>
+                                          <p:attrName>ppt_x</p:attrName>
+                                        </p:attrNameLst>
+                                      </p:cBhvr>
+                                      <p:tavLst>
+                                        <p:tav tm="0">
+                                          <p:val>
+                                            <p:strVal val="#ppt_x"/>
+                                          </p:val>
+                                        </p:tav>
+                                        <p:tav tm="100000">
+                                          <p:val>
+                                            <p:strVal val="#ppt_x"/>
+                                          </p:val>
+                                        </p:tav>
+                                      </p:tavLst>
+                                    </p:anim>
+                                    <p:anim calcmode="lin" valueType="num">
+                                      <p:cBhvr>
+                                        <p:cTn id="51" dur="1000" fill="hold"/>
+                                        <p:tgtEl>
+                                          <p:spTgt spid="6">
+                                            <p:txEl>
+                                              <p:pRg st="2" end="2"/>
+                                            </p:txEl>
+                                          </p:spTgt>
+                                        </p:tgtEl>
+                                        <p:attrNameLst>
+                                          <p:attrName>ppt_y</p:attrName>
+                                        </p:attrNameLst>
+                                      </p:cBhvr>
+                                      <p:tavLst>
+                                        <p:tav tm="0">
+                                          <p:val>
+                                            <p:strVal val="#ppt_y+.1"/>
+                                          </p:val>
+                                        </p:tav>
+                                        <p:tav tm="100000">
+                                          <p:val>
+                                            <p:strVal val="#ppt_y"/>
+                                          </p:val>
+                                        </p:tav>
+                                      </p:tavLst>
+                                    </p:anim>
+                                  </p:childTnLst>
+                                </p:cTn>
+                              </p:par>
+                            </p:childTnLst>
+                          </p:cTn>
+                        </p:par>
+                      </p:childTnLst>
+                    </p:cTn>
+                  </p:par>
+                  <p:par>
+                    <p:cTn id="52" fill="hold">
+                      <p:stCondLst>
+                        <p:cond delay="indefinite"/>
+                      </p:stCondLst>
+                      <p:childTnLst>
+                        <p:par>
+                          <p:cTn id="53" fill="hold">
+                            <p:stCondLst>
+                              <p:cond delay="0"/>
+                            </p:stCondLst>
+                            <p:childTnLst>
+                              <p:par>
+                                <p:cTn id="54" presetID="42" presetClass="entr" presetSubtype="0" fill="hold" grpId="0" nodeType="clickEffect">
+                                  <p:stCondLst>
+                                    <p:cond delay="0"/>
+                                  </p:stCondLst>
+                                  <p:childTnLst>
+                                    <p:set>
+                                      <p:cBhvr>
+                                        <p:cTn id="55" dur="1" fill="hold">
+                                          <p:stCondLst>
+                                            <p:cond delay="0"/>
+                                          </p:stCondLst>
+                                        </p:cTn>
+                                        <p:tgtEl>
+                                          <p:spTgt spid="6">
+                                            <p:txEl>
+                                              <p:pRg st="3" end="3"/>
+                                            </p:txEl>
+                                          </p:spTgt>
+                                        </p:tgtEl>
+                                        <p:attrNameLst>
+                                          <p:attrName>style.visibility</p:attrName>
+                                        </p:attrNameLst>
+                                      </p:cBhvr>
+                                      <p:to>
+                                        <p:strVal val="visible"/>
+                                      </p:to>
+                                    </p:set>
+                                    <p:animEffect transition="in" filter="fade">
+                                      <p:cBhvr>
+                                        <p:cTn id="56" dur="1000"/>
+                                        <p:tgtEl>
+                                          <p:spTgt spid="6">
+                                            <p:txEl>
+                                              <p:pRg st="3" end="3"/>
+                                            </p:txEl>
+                                          </p:spTgt>
+                                        </p:tgtEl>
+                                      </p:cBhvr>
+                                    </p:animEffect>
+                                    <p:anim calcmode="lin" valueType="num">
+                                      <p:cBhvr>
+                                        <p:cTn id="57" dur="1000" fill="hold"/>
+                                        <p:tgtEl>
+                                          <p:spTgt spid="6">
+                                            <p:txEl>
+                                              <p:pRg st="3" end="3"/>
+                                            </p:txEl>
+                                          </p:spTgt>
+                                        </p:tgtEl>
+                                        <p:attrNameLst>
+                                          <p:attrName>ppt_x</p:attrName>
+                                        </p:attrNameLst>
+                                      </p:cBhvr>
+                                      <p:tavLst>
+                                        <p:tav tm="0">
+                                          <p:val>
+                                            <p:strVal val="#ppt_x"/>
+                                          </p:val>
+                                        </p:tav>
+                                        <p:tav tm="100000">
+                                          <p:val>
+                                            <p:strVal val="#ppt_x"/>
+                                          </p:val>
+                                        </p:tav>
+                                      </p:tavLst>
+                                    </p:anim>
+                                    <p:anim calcmode="lin" valueType="num">
+                                      <p:cBhvr>
+                                        <p:cTn id="58" dur="1000" fill="hold"/>
+                                        <p:tgtEl>
+                                          <p:spTgt spid="6">
+                                            <p:txEl>
+                                              <p:pRg st="3" end="3"/>
+                                            </p:txEl>
+                                          </p:spTgt>
+                                        </p:tgtEl>
+                                        <p:attrNameLst>
+                                          <p:attrName>ppt_y</p:attrName>
+                                        </p:attrNameLst>
+                                      </p:cBhvr>
+                                      <p:tavLst>
+                                        <p:tav tm="0">
+                                          <p:val>
+                                            <p:strVal val="#ppt_y+.1"/>
+                                          </p:val>
+                                        </p:tav>
+                                        <p:tav tm="100000">
+                                          <p:val>
+                                            <p:strVal val="#ppt_y"/>
+                                          </p:val>
+                                        </p:tav>
+                                      </p:tavLst>
+                                    </p:anim>
+                                  </p:childTnLst>
+                                </p:cTn>
+                              </p:par>
+                            </p:childTnLst>
+                          </p:cTn>
+                        </p:par>
+                      </p:childTnLst>
+                    </p:cTn>
+                  </p:par>
                 </p:childTnLst>
               </p:cTn>
               <p:prevCondLst>
@@ -8603,12 +9034,108 @@
     </p:tnLst>
     <p:bldLst>
       <p:bldP spid="3" grpId="0" build="p"/>
+      <p:bldP spid="6" grpId="0" build="p"/>
     </p:bldLst>
   </p:timing>
 </p:sld>
 </file>
 
 <file path=ppt/slides/slide15.xml><?xml version="1.0" encoding="utf-8"?>
+<p:sld xmlns:a="http://schemas.openxmlformats.org/drawingml/2006/main" xmlns:r="http://schemas.openxmlformats.org/officeDocument/2006/relationships" xmlns:p="http://schemas.openxmlformats.org/presentationml/2006/main">
+  <p:cSld>
+    <p:spTree>
+      <p:nvGrpSpPr>
+        <p:cNvPr id="1" name=""/>
+        <p:cNvGrpSpPr/>
+        <p:nvPr/>
+      </p:nvGrpSpPr>
+      <p:grpSpPr>
+        <a:xfrm>
+          <a:off x="0" y="0"/>
+          <a:ext cx="0" cy="0"/>
+          <a:chOff x="0" y="0"/>
+          <a:chExt cx="0" cy="0"/>
+        </a:xfrm>
+      </p:grpSpPr>
+      <p:pic>
+        <p:nvPicPr>
+          <p:cNvPr id="10" name="Content Placeholder 9"/>
+          <p:cNvPicPr>
+            <a:picLocks noGrp="1" noChangeAspect="1"/>
+          </p:cNvPicPr>
+          <p:nvPr>
+            <p:ph sz="half" idx="2"/>
+          </p:nvPr>
+        </p:nvPicPr>
+        <p:blipFill>
+          <a:blip r:embed="rId2">
+            <a:extLst>
+              <a:ext uri="{28A0092B-C50C-407E-A947-70E740481C1C}">
+                <a14:useLocalDpi xmlns:a14="http://schemas.microsoft.com/office/drawing/2010/main" val="0"/>
+              </a:ext>
+            </a:extLst>
+          </a:blip>
+          <a:stretch>
+            <a:fillRect/>
+          </a:stretch>
+        </p:blipFill>
+        <p:spPr>
+          <a:xfrm>
+            <a:off x="821411" y="542925"/>
+            <a:ext cx="5036948" cy="5646738"/>
+          </a:xfrm>
+        </p:spPr>
+      </p:pic>
+      <p:pic>
+        <p:nvPicPr>
+          <p:cNvPr id="11" name="Content Placeholder 10"/>
+          <p:cNvPicPr>
+            <a:picLocks noGrp="1" noChangeAspect="1"/>
+          </p:cNvPicPr>
+          <p:nvPr>
+            <p:ph sz="quarter" idx="4"/>
+          </p:nvPr>
+        </p:nvPicPr>
+        <p:blipFill>
+          <a:blip r:embed="rId3">
+            <a:extLst>
+              <a:ext uri="{28A0092B-C50C-407E-A947-70E740481C1C}">
+                <a14:useLocalDpi xmlns:a14="http://schemas.microsoft.com/office/drawing/2010/main" val="0"/>
+              </a:ext>
+            </a:extLst>
+          </a:blip>
+          <a:stretch>
+            <a:fillRect/>
+          </a:stretch>
+        </p:blipFill>
+        <p:spPr>
+          <a:xfrm>
+            <a:off x="6586781" y="542925"/>
+            <a:ext cx="4401518" cy="5646738"/>
+          </a:xfrm>
+        </p:spPr>
+      </p:pic>
+    </p:spTree>
+    <p:extLst>
+      <p:ext uri="{BB962C8B-B14F-4D97-AF65-F5344CB8AC3E}">
+        <p14:creationId xmlns:p14="http://schemas.microsoft.com/office/powerpoint/2010/main" val="603238047"/>
+      </p:ext>
+    </p:extLst>
+  </p:cSld>
+  <p:clrMapOvr>
+    <a:masterClrMapping/>
+  </p:clrMapOvr>
+  <p:timing>
+    <p:tnLst>
+      <p:par>
+        <p:cTn id="1" dur="indefinite" restart="never" nodeType="tmRoot"/>
+      </p:par>
+    </p:tnLst>
+  </p:timing>
+</p:sld>
+</file>
+
+<file path=ppt/slides/slide16.xml><?xml version="1.0" encoding="utf-8"?>
 <p:sld xmlns:a="http://schemas.openxmlformats.org/drawingml/2006/main" xmlns:r="http://schemas.openxmlformats.org/officeDocument/2006/relationships" xmlns:p="http://schemas.openxmlformats.org/presentationml/2006/main">
   <p:cSld>
     <p:spTree>
@@ -9414,809 +9941,6 @@
                                           <p:spTgt spid="3">
                                             <p:txEl>
                                               <p:pRg st="5" end="5"/>
-                                            </p:txEl>
-                                          </p:spTgt>
-                                        </p:tgtEl>
-                                        <p:attrNameLst>
-                                          <p:attrName>ppt_y</p:attrName>
-                                        </p:attrNameLst>
-                                      </p:cBhvr>
-                                      <p:tavLst>
-                                        <p:tav tm="0">
-                                          <p:val>
-                                            <p:strVal val="#ppt_y+.1"/>
-                                          </p:val>
-                                        </p:tav>
-                                        <p:tav tm="100000">
-                                          <p:val>
-                                            <p:strVal val="#ppt_y"/>
-                                          </p:val>
-                                        </p:tav>
-                                      </p:tavLst>
-                                    </p:anim>
-                                  </p:childTnLst>
-                                </p:cTn>
-                              </p:par>
-                            </p:childTnLst>
-                          </p:cTn>
-                        </p:par>
-                      </p:childTnLst>
-                    </p:cTn>
-                  </p:par>
-                </p:childTnLst>
-              </p:cTn>
-              <p:prevCondLst>
-                <p:cond evt="onPrev" delay="0">
-                  <p:tgtEl>
-                    <p:sldTgt/>
-                  </p:tgtEl>
-                </p:cond>
-              </p:prevCondLst>
-              <p:nextCondLst>
-                <p:cond evt="onNext" delay="0">
-                  <p:tgtEl>
-                    <p:sldTgt/>
-                  </p:tgtEl>
-                </p:cond>
-              </p:nextCondLst>
-            </p:seq>
-          </p:childTnLst>
-        </p:cTn>
-      </p:par>
-    </p:tnLst>
-    <p:bldLst>
-      <p:bldP spid="3" grpId="0" build="p"/>
-    </p:bldLst>
-  </p:timing>
-</p:sld>
-</file>
-
-<file path=ppt/slides/slide16.xml><?xml version="1.0" encoding="utf-8"?>
-<p:sld xmlns:a="http://schemas.openxmlformats.org/drawingml/2006/main" xmlns:r="http://schemas.openxmlformats.org/officeDocument/2006/relationships" xmlns:p="http://schemas.openxmlformats.org/presentationml/2006/main">
-  <p:cSld>
-    <p:spTree>
-      <p:nvGrpSpPr>
-        <p:cNvPr id="1" name=""/>
-        <p:cNvGrpSpPr/>
-        <p:nvPr/>
-      </p:nvGrpSpPr>
-      <p:grpSpPr>
-        <a:xfrm>
-          <a:off x="0" y="0"/>
-          <a:ext cx="0" cy="0"/>
-          <a:chOff x="0" y="0"/>
-          <a:chExt cx="0" cy="0"/>
-        </a:xfrm>
-      </p:grpSpPr>
-      <p:sp>
-        <p:nvSpPr>
-          <p:cNvPr id="2" name="Title 1"/>
-          <p:cNvSpPr>
-            <a:spLocks noGrp="1"/>
-          </p:cNvSpPr>
-          <p:nvPr>
-            <p:ph type="title"/>
-          </p:nvPr>
-        </p:nvSpPr>
-        <p:spPr/>
-        <p:txBody>
-          <a:bodyPr>
-            <a:normAutofit/>
-          </a:bodyPr>
-          <a:lstStyle/>
-          <a:p>
-            <a:pPr algn="ctr"/>
-            <a:r>
-              <a:rPr lang="en-US" dirty="0" smtClean="0"/>
-              <a:t>Pizza Warz: How I Became Successful!</a:t>
-            </a:r>
-            <a:endParaRPr lang="en-US" dirty="0"/>
-          </a:p>
-        </p:txBody>
-      </p:sp>
-      <p:sp>
-        <p:nvSpPr>
-          <p:cNvPr id="3" name="Content Placeholder 2"/>
-          <p:cNvSpPr>
-            <a:spLocks noGrp="1"/>
-          </p:cNvSpPr>
-          <p:nvPr>
-            <p:ph sz="half" idx="1"/>
-          </p:nvPr>
-        </p:nvSpPr>
-        <p:spPr/>
-        <p:txBody>
-          <a:bodyPr/>
-          <a:lstStyle/>
-          <a:p>
-            <a:pPr>
-              <a:buFont typeface="Wingdings" panose="05000000000000000000" pitchFamily="2" charset="2"/>
-              <a:buChar char="Ø"/>
-            </a:pPr>
-            <a:r>
-              <a:rPr lang="en-US" dirty="0" err="1" smtClean="0"/>
-              <a:t>Sharepoint</a:t>
-            </a:r>
-            <a:endParaRPr lang="en-US" dirty="0"/>
-          </a:p>
-          <a:p>
-            <a:pPr>
-              <a:buFont typeface="Wingdings" panose="05000000000000000000" pitchFamily="2" charset="2"/>
-              <a:buChar char="Ø"/>
-            </a:pPr>
-            <a:r>
-              <a:rPr lang="en-US" dirty="0" smtClean="0"/>
-              <a:t>GitHub</a:t>
-            </a:r>
-          </a:p>
-          <a:p>
-            <a:pPr>
-              <a:buFont typeface="Wingdings" panose="05000000000000000000" pitchFamily="2" charset="2"/>
-              <a:buChar char="Ø"/>
-            </a:pPr>
-            <a:r>
-              <a:rPr lang="en-US" dirty="0"/>
-              <a:t>Hand Drawn Assets</a:t>
-            </a:r>
-          </a:p>
-          <a:p>
-            <a:pPr>
-              <a:buFont typeface="Wingdings" panose="05000000000000000000" pitchFamily="2" charset="2"/>
-              <a:buChar char="Ø"/>
-            </a:pPr>
-            <a:r>
-              <a:rPr lang="en-US" dirty="0"/>
-              <a:t>Random Map Generation</a:t>
-            </a:r>
-          </a:p>
-          <a:p>
-            <a:pPr>
-              <a:buFont typeface="Wingdings" panose="05000000000000000000" pitchFamily="2" charset="2"/>
-              <a:buChar char="Ø"/>
-            </a:pPr>
-            <a:r>
-              <a:rPr lang="en-US" dirty="0"/>
-              <a:t>High Score </a:t>
-            </a:r>
-            <a:r>
-              <a:rPr lang="en-US" dirty="0" smtClean="0"/>
-              <a:t>System</a:t>
-            </a:r>
-            <a:endParaRPr lang="en-US" dirty="0"/>
-          </a:p>
-        </p:txBody>
-      </p:sp>
-      <p:sp>
-        <p:nvSpPr>
-          <p:cNvPr id="4" name="Content Placeholder 3"/>
-          <p:cNvSpPr>
-            <a:spLocks noGrp="1"/>
-          </p:cNvSpPr>
-          <p:nvPr>
-            <p:ph sz="half" idx="2"/>
-          </p:nvPr>
-        </p:nvSpPr>
-        <p:spPr/>
-        <p:txBody>
-          <a:bodyPr/>
-          <a:lstStyle/>
-          <a:p>
-            <a:pPr>
-              <a:buFont typeface="Wingdings" panose="05000000000000000000" pitchFamily="2" charset="2"/>
-              <a:buChar char="Ø"/>
-            </a:pPr>
-            <a:r>
-              <a:rPr lang="en-US" dirty="0" smtClean="0"/>
-              <a:t>Group Chat</a:t>
-            </a:r>
-          </a:p>
-          <a:p>
-            <a:pPr>
-              <a:buFont typeface="Wingdings" panose="05000000000000000000" pitchFamily="2" charset="2"/>
-              <a:buChar char="Ø"/>
-            </a:pPr>
-            <a:r>
-              <a:rPr lang="en-US" dirty="0" smtClean="0"/>
-              <a:t>Invested</a:t>
-            </a:r>
-          </a:p>
-          <a:p>
-            <a:pPr>
-              <a:buFont typeface="Wingdings" panose="05000000000000000000" pitchFamily="2" charset="2"/>
-              <a:buChar char="Ø"/>
-            </a:pPr>
-            <a:r>
-              <a:rPr lang="en-US" dirty="0" smtClean="0"/>
-              <a:t>Attitude</a:t>
-            </a:r>
-            <a:endParaRPr lang="en-US" dirty="0"/>
-          </a:p>
-          <a:p>
-            <a:pPr>
-              <a:buFont typeface="Wingdings" panose="05000000000000000000" pitchFamily="2" charset="2"/>
-              <a:buChar char="Ø"/>
-            </a:pPr>
-            <a:r>
-              <a:rPr lang="en-US" dirty="0"/>
-              <a:t>Determination</a:t>
-            </a:r>
-          </a:p>
-          <a:p>
-            <a:pPr>
-              <a:buFont typeface="Wingdings" panose="05000000000000000000" pitchFamily="2" charset="2"/>
-              <a:buChar char="Ø"/>
-            </a:pPr>
-            <a:endParaRPr lang="en-US" dirty="0"/>
-          </a:p>
-          <a:p>
-            <a:endParaRPr lang="en-US" dirty="0"/>
-          </a:p>
-        </p:txBody>
-      </p:sp>
-    </p:spTree>
-    <p:extLst>
-      <p:ext uri="{BB962C8B-B14F-4D97-AF65-F5344CB8AC3E}">
-        <p14:creationId xmlns:p14="http://schemas.microsoft.com/office/powerpoint/2010/main" val="151612657"/>
-      </p:ext>
-    </p:extLst>
-  </p:cSld>
-  <p:clrMapOvr>
-    <a:masterClrMapping/>
-  </p:clrMapOvr>
-  <p:timing>
-    <p:tnLst>
-      <p:par>
-        <p:cTn id="1" dur="indefinite" restart="never" nodeType="tmRoot">
-          <p:childTnLst>
-            <p:seq concurrent="1" nextAc="seek">
-              <p:cTn id="2" dur="indefinite" nodeType="mainSeq">
-                <p:childTnLst>
-                  <p:par>
-                    <p:cTn id="3" fill="hold">
-                      <p:stCondLst>
-                        <p:cond delay="indefinite"/>
-                      </p:stCondLst>
-                      <p:childTnLst>
-                        <p:par>
-                          <p:cTn id="4" fill="hold">
-                            <p:stCondLst>
-                              <p:cond delay="0"/>
-                            </p:stCondLst>
-                            <p:childTnLst>
-                              <p:par>
-                                <p:cTn id="5" presetID="42" presetClass="entr" presetSubtype="0" fill="hold" grpId="0" nodeType="clickEffect">
-                                  <p:stCondLst>
-                                    <p:cond delay="0"/>
-                                  </p:stCondLst>
-                                  <p:childTnLst>
-                                    <p:set>
-                                      <p:cBhvr>
-                                        <p:cTn id="6" dur="1" fill="hold">
-                                          <p:stCondLst>
-                                            <p:cond delay="0"/>
-                                          </p:stCondLst>
-                                        </p:cTn>
-                                        <p:tgtEl>
-                                          <p:spTgt spid="3">
-                                            <p:txEl>
-                                              <p:pRg st="0" end="0"/>
-                                            </p:txEl>
-                                          </p:spTgt>
-                                        </p:tgtEl>
-                                        <p:attrNameLst>
-                                          <p:attrName>style.visibility</p:attrName>
-                                        </p:attrNameLst>
-                                      </p:cBhvr>
-                                      <p:to>
-                                        <p:strVal val="visible"/>
-                                      </p:to>
-                                    </p:set>
-                                    <p:animEffect transition="in" filter="fade">
-                                      <p:cBhvr>
-                                        <p:cTn id="7" dur="1000"/>
-                                        <p:tgtEl>
-                                          <p:spTgt spid="3">
-                                            <p:txEl>
-                                              <p:pRg st="0" end="0"/>
-                                            </p:txEl>
-                                          </p:spTgt>
-                                        </p:tgtEl>
-                                      </p:cBhvr>
-                                    </p:animEffect>
-                                    <p:anim calcmode="lin" valueType="num">
-                                      <p:cBhvr>
-                                        <p:cTn id="8" dur="1000" fill="hold"/>
-                                        <p:tgtEl>
-                                          <p:spTgt spid="3">
-                                            <p:txEl>
-                                              <p:pRg st="0" end="0"/>
-                                            </p:txEl>
-                                          </p:spTgt>
-                                        </p:tgtEl>
-                                        <p:attrNameLst>
-                                          <p:attrName>ppt_x</p:attrName>
-                                        </p:attrNameLst>
-                                      </p:cBhvr>
-                                      <p:tavLst>
-                                        <p:tav tm="0">
-                                          <p:val>
-                                            <p:strVal val="#ppt_x"/>
-                                          </p:val>
-                                        </p:tav>
-                                        <p:tav tm="100000">
-                                          <p:val>
-                                            <p:strVal val="#ppt_x"/>
-                                          </p:val>
-                                        </p:tav>
-                                      </p:tavLst>
-                                    </p:anim>
-                                    <p:anim calcmode="lin" valueType="num">
-                                      <p:cBhvr>
-                                        <p:cTn id="9" dur="1000" fill="hold"/>
-                                        <p:tgtEl>
-                                          <p:spTgt spid="3">
-                                            <p:txEl>
-                                              <p:pRg st="0" end="0"/>
-                                            </p:txEl>
-                                          </p:spTgt>
-                                        </p:tgtEl>
-                                        <p:attrNameLst>
-                                          <p:attrName>ppt_y</p:attrName>
-                                        </p:attrNameLst>
-                                      </p:cBhvr>
-                                      <p:tavLst>
-                                        <p:tav tm="0">
-                                          <p:val>
-                                            <p:strVal val="#ppt_y+.1"/>
-                                          </p:val>
-                                        </p:tav>
-                                        <p:tav tm="100000">
-                                          <p:val>
-                                            <p:strVal val="#ppt_y"/>
-                                          </p:val>
-                                        </p:tav>
-                                      </p:tavLst>
-                                    </p:anim>
-                                  </p:childTnLst>
-                                </p:cTn>
-                              </p:par>
-                            </p:childTnLst>
-                          </p:cTn>
-                        </p:par>
-                      </p:childTnLst>
-                    </p:cTn>
-                  </p:par>
-                  <p:par>
-                    <p:cTn id="10" fill="hold">
-                      <p:stCondLst>
-                        <p:cond delay="indefinite"/>
-                      </p:stCondLst>
-                      <p:childTnLst>
-                        <p:par>
-                          <p:cTn id="11" fill="hold">
-                            <p:stCondLst>
-                              <p:cond delay="0"/>
-                            </p:stCondLst>
-                            <p:childTnLst>
-                              <p:par>
-                                <p:cTn id="12" presetID="42" presetClass="entr" presetSubtype="0" fill="hold" grpId="0" nodeType="clickEffect">
-                                  <p:stCondLst>
-                                    <p:cond delay="0"/>
-                                  </p:stCondLst>
-                                  <p:childTnLst>
-                                    <p:set>
-                                      <p:cBhvr>
-                                        <p:cTn id="13" dur="1" fill="hold">
-                                          <p:stCondLst>
-                                            <p:cond delay="0"/>
-                                          </p:stCondLst>
-                                        </p:cTn>
-                                        <p:tgtEl>
-                                          <p:spTgt spid="3">
-                                            <p:txEl>
-                                              <p:pRg st="1" end="1"/>
-                                            </p:txEl>
-                                          </p:spTgt>
-                                        </p:tgtEl>
-                                        <p:attrNameLst>
-                                          <p:attrName>style.visibility</p:attrName>
-                                        </p:attrNameLst>
-                                      </p:cBhvr>
-                                      <p:to>
-                                        <p:strVal val="visible"/>
-                                      </p:to>
-                                    </p:set>
-                                    <p:animEffect transition="in" filter="fade">
-                                      <p:cBhvr>
-                                        <p:cTn id="14" dur="1000"/>
-                                        <p:tgtEl>
-                                          <p:spTgt spid="3">
-                                            <p:txEl>
-                                              <p:pRg st="1" end="1"/>
-                                            </p:txEl>
-                                          </p:spTgt>
-                                        </p:tgtEl>
-                                      </p:cBhvr>
-                                    </p:animEffect>
-                                    <p:anim calcmode="lin" valueType="num">
-                                      <p:cBhvr>
-                                        <p:cTn id="15" dur="1000" fill="hold"/>
-                                        <p:tgtEl>
-                                          <p:spTgt spid="3">
-                                            <p:txEl>
-                                              <p:pRg st="1" end="1"/>
-                                            </p:txEl>
-                                          </p:spTgt>
-                                        </p:tgtEl>
-                                        <p:attrNameLst>
-                                          <p:attrName>ppt_x</p:attrName>
-                                        </p:attrNameLst>
-                                      </p:cBhvr>
-                                      <p:tavLst>
-                                        <p:tav tm="0">
-                                          <p:val>
-                                            <p:strVal val="#ppt_x"/>
-                                          </p:val>
-                                        </p:tav>
-                                        <p:tav tm="100000">
-                                          <p:val>
-                                            <p:strVal val="#ppt_x"/>
-                                          </p:val>
-                                        </p:tav>
-                                      </p:tavLst>
-                                    </p:anim>
-                                    <p:anim calcmode="lin" valueType="num">
-                                      <p:cBhvr>
-                                        <p:cTn id="16" dur="1000" fill="hold"/>
-                                        <p:tgtEl>
-                                          <p:spTgt spid="3">
-                                            <p:txEl>
-                                              <p:pRg st="1" end="1"/>
-                                            </p:txEl>
-                                          </p:spTgt>
-                                        </p:tgtEl>
-                                        <p:attrNameLst>
-                                          <p:attrName>ppt_y</p:attrName>
-                                        </p:attrNameLst>
-                                      </p:cBhvr>
-                                      <p:tavLst>
-                                        <p:tav tm="0">
-                                          <p:val>
-                                            <p:strVal val="#ppt_y+.1"/>
-                                          </p:val>
-                                        </p:tav>
-                                        <p:tav tm="100000">
-                                          <p:val>
-                                            <p:strVal val="#ppt_y"/>
-                                          </p:val>
-                                        </p:tav>
-                                      </p:tavLst>
-                                    </p:anim>
-                                  </p:childTnLst>
-                                </p:cTn>
-                              </p:par>
-                            </p:childTnLst>
-                          </p:cTn>
-                        </p:par>
-                      </p:childTnLst>
-                    </p:cTn>
-                  </p:par>
-                  <p:par>
-                    <p:cTn id="17" fill="hold">
-                      <p:stCondLst>
-                        <p:cond delay="indefinite"/>
-                      </p:stCondLst>
-                      <p:childTnLst>
-                        <p:par>
-                          <p:cTn id="18" fill="hold">
-                            <p:stCondLst>
-                              <p:cond delay="0"/>
-                            </p:stCondLst>
-                            <p:childTnLst>
-                              <p:par>
-                                <p:cTn id="19" presetID="42" presetClass="entr" presetSubtype="0" fill="hold" grpId="0" nodeType="clickEffect">
-                                  <p:stCondLst>
-                                    <p:cond delay="0"/>
-                                  </p:stCondLst>
-                                  <p:childTnLst>
-                                    <p:set>
-                                      <p:cBhvr>
-                                        <p:cTn id="20" dur="1" fill="hold">
-                                          <p:stCondLst>
-                                            <p:cond delay="0"/>
-                                          </p:stCondLst>
-                                        </p:cTn>
-                                        <p:tgtEl>
-                                          <p:spTgt spid="3">
-                                            <p:txEl>
-                                              <p:pRg st="2" end="2"/>
-                                            </p:txEl>
-                                          </p:spTgt>
-                                        </p:tgtEl>
-                                        <p:attrNameLst>
-                                          <p:attrName>style.visibility</p:attrName>
-                                        </p:attrNameLst>
-                                      </p:cBhvr>
-                                      <p:to>
-                                        <p:strVal val="visible"/>
-                                      </p:to>
-                                    </p:set>
-                                    <p:animEffect transition="in" filter="fade">
-                                      <p:cBhvr>
-                                        <p:cTn id="21" dur="1000"/>
-                                        <p:tgtEl>
-                                          <p:spTgt spid="3">
-                                            <p:txEl>
-                                              <p:pRg st="2" end="2"/>
-                                            </p:txEl>
-                                          </p:spTgt>
-                                        </p:tgtEl>
-                                      </p:cBhvr>
-                                    </p:animEffect>
-                                    <p:anim calcmode="lin" valueType="num">
-                                      <p:cBhvr>
-                                        <p:cTn id="22" dur="1000" fill="hold"/>
-                                        <p:tgtEl>
-                                          <p:spTgt spid="3">
-                                            <p:txEl>
-                                              <p:pRg st="2" end="2"/>
-                                            </p:txEl>
-                                          </p:spTgt>
-                                        </p:tgtEl>
-                                        <p:attrNameLst>
-                                          <p:attrName>ppt_x</p:attrName>
-                                        </p:attrNameLst>
-                                      </p:cBhvr>
-                                      <p:tavLst>
-                                        <p:tav tm="0">
-                                          <p:val>
-                                            <p:strVal val="#ppt_x"/>
-                                          </p:val>
-                                        </p:tav>
-                                        <p:tav tm="100000">
-                                          <p:val>
-                                            <p:strVal val="#ppt_x"/>
-                                          </p:val>
-                                        </p:tav>
-                                      </p:tavLst>
-                                    </p:anim>
-                                    <p:anim calcmode="lin" valueType="num">
-                                      <p:cBhvr>
-                                        <p:cTn id="23" dur="1000" fill="hold"/>
-                                        <p:tgtEl>
-                                          <p:spTgt spid="3">
-                                            <p:txEl>
-                                              <p:pRg st="2" end="2"/>
-                                            </p:txEl>
-                                          </p:spTgt>
-                                        </p:tgtEl>
-                                        <p:attrNameLst>
-                                          <p:attrName>ppt_y</p:attrName>
-                                        </p:attrNameLst>
-                                      </p:cBhvr>
-                                      <p:tavLst>
-                                        <p:tav tm="0">
-                                          <p:val>
-                                            <p:strVal val="#ppt_y+.1"/>
-                                          </p:val>
-                                        </p:tav>
-                                        <p:tav tm="100000">
-                                          <p:val>
-                                            <p:strVal val="#ppt_y"/>
-                                          </p:val>
-                                        </p:tav>
-                                      </p:tavLst>
-                                    </p:anim>
-                                  </p:childTnLst>
-                                </p:cTn>
-                              </p:par>
-                            </p:childTnLst>
-                          </p:cTn>
-                        </p:par>
-                      </p:childTnLst>
-                    </p:cTn>
-                  </p:par>
-                  <p:par>
-                    <p:cTn id="24" fill="hold">
-                      <p:stCondLst>
-                        <p:cond delay="indefinite"/>
-                      </p:stCondLst>
-                      <p:childTnLst>
-                        <p:par>
-                          <p:cTn id="25" fill="hold">
-                            <p:stCondLst>
-                              <p:cond delay="0"/>
-                            </p:stCondLst>
-                            <p:childTnLst>
-                              <p:par>
-                                <p:cTn id="26" presetID="42" presetClass="entr" presetSubtype="0" fill="hold" grpId="0" nodeType="clickEffect">
-                                  <p:stCondLst>
-                                    <p:cond delay="0"/>
-                                  </p:stCondLst>
-                                  <p:childTnLst>
-                                    <p:set>
-                                      <p:cBhvr>
-                                        <p:cTn id="27" dur="1" fill="hold">
-                                          <p:stCondLst>
-                                            <p:cond delay="0"/>
-                                          </p:stCondLst>
-                                        </p:cTn>
-                                        <p:tgtEl>
-                                          <p:spTgt spid="3">
-                                            <p:txEl>
-                                              <p:pRg st="3" end="3"/>
-                                            </p:txEl>
-                                          </p:spTgt>
-                                        </p:tgtEl>
-                                        <p:attrNameLst>
-                                          <p:attrName>style.visibility</p:attrName>
-                                        </p:attrNameLst>
-                                      </p:cBhvr>
-                                      <p:to>
-                                        <p:strVal val="visible"/>
-                                      </p:to>
-                                    </p:set>
-                                    <p:animEffect transition="in" filter="fade">
-                                      <p:cBhvr>
-                                        <p:cTn id="28" dur="1000"/>
-                                        <p:tgtEl>
-                                          <p:spTgt spid="3">
-                                            <p:txEl>
-                                              <p:pRg st="3" end="3"/>
-                                            </p:txEl>
-                                          </p:spTgt>
-                                        </p:tgtEl>
-                                      </p:cBhvr>
-                                    </p:animEffect>
-                                    <p:anim calcmode="lin" valueType="num">
-                                      <p:cBhvr>
-                                        <p:cTn id="29" dur="1000" fill="hold"/>
-                                        <p:tgtEl>
-                                          <p:spTgt spid="3">
-                                            <p:txEl>
-                                              <p:pRg st="3" end="3"/>
-                                            </p:txEl>
-                                          </p:spTgt>
-                                        </p:tgtEl>
-                                        <p:attrNameLst>
-                                          <p:attrName>ppt_x</p:attrName>
-                                        </p:attrNameLst>
-                                      </p:cBhvr>
-                                      <p:tavLst>
-                                        <p:tav tm="0">
-                                          <p:val>
-                                            <p:strVal val="#ppt_x"/>
-                                          </p:val>
-                                        </p:tav>
-                                        <p:tav tm="100000">
-                                          <p:val>
-                                            <p:strVal val="#ppt_x"/>
-                                          </p:val>
-                                        </p:tav>
-                                      </p:tavLst>
-                                    </p:anim>
-                                    <p:anim calcmode="lin" valueType="num">
-                                      <p:cBhvr>
-                                        <p:cTn id="30" dur="1000" fill="hold"/>
-                                        <p:tgtEl>
-                                          <p:spTgt spid="3">
-                                            <p:txEl>
-                                              <p:pRg st="3" end="3"/>
-                                            </p:txEl>
-                                          </p:spTgt>
-                                        </p:tgtEl>
-                                        <p:attrNameLst>
-                                          <p:attrName>ppt_y</p:attrName>
-                                        </p:attrNameLst>
-                                      </p:cBhvr>
-                                      <p:tavLst>
-                                        <p:tav tm="0">
-                                          <p:val>
-                                            <p:strVal val="#ppt_y+.1"/>
-                                          </p:val>
-                                        </p:tav>
-                                        <p:tav tm="100000">
-                                          <p:val>
-                                            <p:strVal val="#ppt_y"/>
-                                          </p:val>
-                                        </p:tav>
-                                      </p:tavLst>
-                                    </p:anim>
-                                  </p:childTnLst>
-                                </p:cTn>
-                              </p:par>
-                            </p:childTnLst>
-                          </p:cTn>
-                        </p:par>
-                      </p:childTnLst>
-                    </p:cTn>
-                  </p:par>
-                  <p:par>
-                    <p:cTn id="31" fill="hold">
-                      <p:stCondLst>
-                        <p:cond delay="indefinite"/>
-                      </p:stCondLst>
-                      <p:childTnLst>
-                        <p:par>
-                          <p:cTn id="32" fill="hold">
-                            <p:stCondLst>
-                              <p:cond delay="0"/>
-                            </p:stCondLst>
-                            <p:childTnLst>
-                              <p:par>
-                                <p:cTn id="33" presetID="42" presetClass="entr" presetSubtype="0" fill="hold" grpId="0" nodeType="clickEffect">
-                                  <p:stCondLst>
-                                    <p:cond delay="0"/>
-                                  </p:stCondLst>
-                                  <p:childTnLst>
-                                    <p:set>
-                                      <p:cBhvr>
-                                        <p:cTn id="34" dur="1" fill="hold">
-                                          <p:stCondLst>
-                                            <p:cond delay="0"/>
-                                          </p:stCondLst>
-                                        </p:cTn>
-                                        <p:tgtEl>
-                                          <p:spTgt spid="3">
-                                            <p:txEl>
-                                              <p:pRg st="4" end="4"/>
-                                            </p:txEl>
-                                          </p:spTgt>
-                                        </p:tgtEl>
-                                        <p:attrNameLst>
-                                          <p:attrName>style.visibility</p:attrName>
-                                        </p:attrNameLst>
-                                      </p:cBhvr>
-                                      <p:to>
-                                        <p:strVal val="visible"/>
-                                      </p:to>
-                                    </p:set>
-                                    <p:animEffect transition="in" filter="fade">
-                                      <p:cBhvr>
-                                        <p:cTn id="35" dur="1000"/>
-                                        <p:tgtEl>
-                                          <p:spTgt spid="3">
-                                            <p:txEl>
-                                              <p:pRg st="4" end="4"/>
-                                            </p:txEl>
-                                          </p:spTgt>
-                                        </p:tgtEl>
-                                      </p:cBhvr>
-                                    </p:animEffect>
-                                    <p:anim calcmode="lin" valueType="num">
-                                      <p:cBhvr>
-                                        <p:cTn id="36" dur="1000" fill="hold"/>
-                                        <p:tgtEl>
-                                          <p:spTgt spid="3">
-                                            <p:txEl>
-                                              <p:pRg st="4" end="4"/>
-                                            </p:txEl>
-                                          </p:spTgt>
-                                        </p:tgtEl>
-                                        <p:attrNameLst>
-                                          <p:attrName>ppt_x</p:attrName>
-                                        </p:attrNameLst>
-                                      </p:cBhvr>
-                                      <p:tavLst>
-                                        <p:tav tm="0">
-                                          <p:val>
-                                            <p:strVal val="#ppt_x"/>
-                                          </p:val>
-                                        </p:tav>
-                                        <p:tav tm="100000">
-                                          <p:val>
-                                            <p:strVal val="#ppt_x"/>
-                                          </p:val>
-                                        </p:tav>
-                                      </p:tavLst>
-                                    </p:anim>
-                                    <p:anim calcmode="lin" valueType="num">
-                                      <p:cBhvr>
-                                        <p:cTn id="37" dur="1000" fill="hold"/>
-                                        <p:tgtEl>
-                                          <p:spTgt spid="3">
-                                            <p:txEl>
-                                              <p:pRg st="4" end="4"/>
                                             </p:txEl>
                                           </p:spTgt>
                                         </p:tgtEl>
@@ -10303,6 +10027,1270 @@
         </p:nvSpPr>
         <p:spPr/>
         <p:txBody>
+          <a:bodyPr>
+            <a:normAutofit/>
+          </a:bodyPr>
+          <a:lstStyle/>
+          <a:p>
+            <a:pPr algn="ctr"/>
+            <a:r>
+              <a:rPr lang="en-US" dirty="0" smtClean="0"/>
+              <a:t>Pizza Warz: How I Became Successful!</a:t>
+            </a:r>
+            <a:endParaRPr lang="en-US" dirty="0"/>
+          </a:p>
+        </p:txBody>
+      </p:sp>
+      <p:sp>
+        <p:nvSpPr>
+          <p:cNvPr id="3" name="Content Placeholder 2"/>
+          <p:cNvSpPr>
+            <a:spLocks noGrp="1"/>
+          </p:cNvSpPr>
+          <p:nvPr>
+            <p:ph sz="half" idx="1"/>
+          </p:nvPr>
+        </p:nvSpPr>
+        <p:spPr/>
+        <p:txBody>
+          <a:bodyPr/>
+          <a:lstStyle/>
+          <a:p>
+            <a:pPr>
+              <a:buFont typeface="Wingdings" panose="05000000000000000000" pitchFamily="2" charset="2"/>
+              <a:buChar char="Ø"/>
+            </a:pPr>
+            <a:r>
+              <a:rPr lang="en-US" dirty="0" err="1" smtClean="0"/>
+              <a:t>Sharepoint</a:t>
+            </a:r>
+            <a:endParaRPr lang="en-US" dirty="0"/>
+          </a:p>
+          <a:p>
+            <a:pPr>
+              <a:buFont typeface="Wingdings" panose="05000000000000000000" pitchFamily="2" charset="2"/>
+              <a:buChar char="Ø"/>
+            </a:pPr>
+            <a:r>
+              <a:rPr lang="en-US" dirty="0" smtClean="0"/>
+              <a:t>GitHub</a:t>
+            </a:r>
+          </a:p>
+          <a:p>
+            <a:pPr>
+              <a:buFont typeface="Wingdings" panose="05000000000000000000" pitchFamily="2" charset="2"/>
+              <a:buChar char="Ø"/>
+            </a:pPr>
+            <a:r>
+              <a:rPr lang="en-US" dirty="0"/>
+              <a:t>Hand Drawn Assets</a:t>
+            </a:r>
+          </a:p>
+          <a:p>
+            <a:pPr>
+              <a:buFont typeface="Wingdings" panose="05000000000000000000" pitchFamily="2" charset="2"/>
+              <a:buChar char="Ø"/>
+            </a:pPr>
+            <a:r>
+              <a:rPr lang="en-US" dirty="0"/>
+              <a:t>Random Map Generation</a:t>
+            </a:r>
+          </a:p>
+          <a:p>
+            <a:pPr>
+              <a:buFont typeface="Wingdings" panose="05000000000000000000" pitchFamily="2" charset="2"/>
+              <a:buChar char="Ø"/>
+            </a:pPr>
+            <a:r>
+              <a:rPr lang="en-US" dirty="0"/>
+              <a:t>High Score </a:t>
+            </a:r>
+            <a:r>
+              <a:rPr lang="en-US" dirty="0" smtClean="0"/>
+              <a:t>System</a:t>
+            </a:r>
+            <a:endParaRPr lang="en-US" dirty="0"/>
+          </a:p>
+        </p:txBody>
+      </p:sp>
+      <p:sp>
+        <p:nvSpPr>
+          <p:cNvPr id="4" name="Content Placeholder 3"/>
+          <p:cNvSpPr>
+            <a:spLocks noGrp="1"/>
+          </p:cNvSpPr>
+          <p:nvPr>
+            <p:ph sz="half" idx="2"/>
+          </p:nvPr>
+        </p:nvSpPr>
+        <p:spPr/>
+        <p:txBody>
+          <a:bodyPr/>
+          <a:lstStyle/>
+          <a:p>
+            <a:pPr>
+              <a:buFont typeface="Wingdings" panose="05000000000000000000" pitchFamily="2" charset="2"/>
+              <a:buChar char="Ø"/>
+            </a:pPr>
+            <a:r>
+              <a:rPr lang="en-US" dirty="0" smtClean="0"/>
+              <a:t>Group Chat</a:t>
+            </a:r>
+          </a:p>
+          <a:p>
+            <a:pPr>
+              <a:buFont typeface="Wingdings" panose="05000000000000000000" pitchFamily="2" charset="2"/>
+              <a:buChar char="Ø"/>
+            </a:pPr>
+            <a:r>
+              <a:rPr lang="en-US" dirty="0" smtClean="0"/>
+              <a:t>Invested</a:t>
+            </a:r>
+          </a:p>
+          <a:p>
+            <a:pPr>
+              <a:buFont typeface="Wingdings" panose="05000000000000000000" pitchFamily="2" charset="2"/>
+              <a:buChar char="Ø"/>
+            </a:pPr>
+            <a:r>
+              <a:rPr lang="en-US" dirty="0" smtClean="0"/>
+              <a:t>Attitude</a:t>
+            </a:r>
+            <a:endParaRPr lang="en-US" dirty="0"/>
+          </a:p>
+          <a:p>
+            <a:pPr>
+              <a:buFont typeface="Wingdings" panose="05000000000000000000" pitchFamily="2" charset="2"/>
+              <a:buChar char="Ø"/>
+            </a:pPr>
+            <a:r>
+              <a:rPr lang="en-US" dirty="0"/>
+              <a:t>Determination</a:t>
+            </a:r>
+          </a:p>
+          <a:p>
+            <a:pPr>
+              <a:buFont typeface="Wingdings" panose="05000000000000000000" pitchFamily="2" charset="2"/>
+              <a:buChar char="Ø"/>
+            </a:pPr>
+            <a:endParaRPr lang="en-US" dirty="0"/>
+          </a:p>
+          <a:p>
+            <a:endParaRPr lang="en-US" dirty="0"/>
+          </a:p>
+        </p:txBody>
+      </p:sp>
+    </p:spTree>
+    <p:extLst>
+      <p:ext uri="{BB962C8B-B14F-4D97-AF65-F5344CB8AC3E}">
+        <p14:creationId xmlns:p14="http://schemas.microsoft.com/office/powerpoint/2010/main" val="151612657"/>
+      </p:ext>
+    </p:extLst>
+  </p:cSld>
+  <p:clrMapOvr>
+    <a:masterClrMapping/>
+  </p:clrMapOvr>
+  <p:timing>
+    <p:tnLst>
+      <p:par>
+        <p:cTn id="1" dur="indefinite" restart="never" nodeType="tmRoot">
+          <p:childTnLst>
+            <p:seq concurrent="1" nextAc="seek">
+              <p:cTn id="2" dur="indefinite" nodeType="mainSeq">
+                <p:childTnLst>
+                  <p:par>
+                    <p:cTn id="3" fill="hold">
+                      <p:stCondLst>
+                        <p:cond delay="indefinite"/>
+                      </p:stCondLst>
+                      <p:childTnLst>
+                        <p:par>
+                          <p:cTn id="4" fill="hold">
+                            <p:stCondLst>
+                              <p:cond delay="0"/>
+                            </p:stCondLst>
+                            <p:childTnLst>
+                              <p:par>
+                                <p:cTn id="5" presetID="42" presetClass="entr" presetSubtype="0" fill="hold" grpId="0" nodeType="clickEffect">
+                                  <p:stCondLst>
+                                    <p:cond delay="0"/>
+                                  </p:stCondLst>
+                                  <p:childTnLst>
+                                    <p:set>
+                                      <p:cBhvr>
+                                        <p:cTn id="6" dur="1" fill="hold">
+                                          <p:stCondLst>
+                                            <p:cond delay="0"/>
+                                          </p:stCondLst>
+                                        </p:cTn>
+                                        <p:tgtEl>
+                                          <p:spTgt spid="3">
+                                            <p:txEl>
+                                              <p:pRg st="0" end="0"/>
+                                            </p:txEl>
+                                          </p:spTgt>
+                                        </p:tgtEl>
+                                        <p:attrNameLst>
+                                          <p:attrName>style.visibility</p:attrName>
+                                        </p:attrNameLst>
+                                      </p:cBhvr>
+                                      <p:to>
+                                        <p:strVal val="visible"/>
+                                      </p:to>
+                                    </p:set>
+                                    <p:animEffect transition="in" filter="fade">
+                                      <p:cBhvr>
+                                        <p:cTn id="7" dur="1000"/>
+                                        <p:tgtEl>
+                                          <p:spTgt spid="3">
+                                            <p:txEl>
+                                              <p:pRg st="0" end="0"/>
+                                            </p:txEl>
+                                          </p:spTgt>
+                                        </p:tgtEl>
+                                      </p:cBhvr>
+                                    </p:animEffect>
+                                    <p:anim calcmode="lin" valueType="num">
+                                      <p:cBhvr>
+                                        <p:cTn id="8" dur="1000" fill="hold"/>
+                                        <p:tgtEl>
+                                          <p:spTgt spid="3">
+                                            <p:txEl>
+                                              <p:pRg st="0" end="0"/>
+                                            </p:txEl>
+                                          </p:spTgt>
+                                        </p:tgtEl>
+                                        <p:attrNameLst>
+                                          <p:attrName>ppt_x</p:attrName>
+                                        </p:attrNameLst>
+                                      </p:cBhvr>
+                                      <p:tavLst>
+                                        <p:tav tm="0">
+                                          <p:val>
+                                            <p:strVal val="#ppt_x"/>
+                                          </p:val>
+                                        </p:tav>
+                                        <p:tav tm="100000">
+                                          <p:val>
+                                            <p:strVal val="#ppt_x"/>
+                                          </p:val>
+                                        </p:tav>
+                                      </p:tavLst>
+                                    </p:anim>
+                                    <p:anim calcmode="lin" valueType="num">
+                                      <p:cBhvr>
+                                        <p:cTn id="9" dur="1000" fill="hold"/>
+                                        <p:tgtEl>
+                                          <p:spTgt spid="3">
+                                            <p:txEl>
+                                              <p:pRg st="0" end="0"/>
+                                            </p:txEl>
+                                          </p:spTgt>
+                                        </p:tgtEl>
+                                        <p:attrNameLst>
+                                          <p:attrName>ppt_y</p:attrName>
+                                        </p:attrNameLst>
+                                      </p:cBhvr>
+                                      <p:tavLst>
+                                        <p:tav tm="0">
+                                          <p:val>
+                                            <p:strVal val="#ppt_y+.1"/>
+                                          </p:val>
+                                        </p:tav>
+                                        <p:tav tm="100000">
+                                          <p:val>
+                                            <p:strVal val="#ppt_y"/>
+                                          </p:val>
+                                        </p:tav>
+                                      </p:tavLst>
+                                    </p:anim>
+                                  </p:childTnLst>
+                                </p:cTn>
+                              </p:par>
+                            </p:childTnLst>
+                          </p:cTn>
+                        </p:par>
+                      </p:childTnLst>
+                    </p:cTn>
+                  </p:par>
+                  <p:par>
+                    <p:cTn id="10" fill="hold">
+                      <p:stCondLst>
+                        <p:cond delay="indefinite"/>
+                      </p:stCondLst>
+                      <p:childTnLst>
+                        <p:par>
+                          <p:cTn id="11" fill="hold">
+                            <p:stCondLst>
+                              <p:cond delay="0"/>
+                            </p:stCondLst>
+                            <p:childTnLst>
+                              <p:par>
+                                <p:cTn id="12" presetID="42" presetClass="entr" presetSubtype="0" fill="hold" grpId="0" nodeType="clickEffect">
+                                  <p:stCondLst>
+                                    <p:cond delay="0"/>
+                                  </p:stCondLst>
+                                  <p:childTnLst>
+                                    <p:set>
+                                      <p:cBhvr>
+                                        <p:cTn id="13" dur="1" fill="hold">
+                                          <p:stCondLst>
+                                            <p:cond delay="0"/>
+                                          </p:stCondLst>
+                                        </p:cTn>
+                                        <p:tgtEl>
+                                          <p:spTgt spid="3">
+                                            <p:txEl>
+                                              <p:pRg st="1" end="1"/>
+                                            </p:txEl>
+                                          </p:spTgt>
+                                        </p:tgtEl>
+                                        <p:attrNameLst>
+                                          <p:attrName>style.visibility</p:attrName>
+                                        </p:attrNameLst>
+                                      </p:cBhvr>
+                                      <p:to>
+                                        <p:strVal val="visible"/>
+                                      </p:to>
+                                    </p:set>
+                                    <p:animEffect transition="in" filter="fade">
+                                      <p:cBhvr>
+                                        <p:cTn id="14" dur="1000"/>
+                                        <p:tgtEl>
+                                          <p:spTgt spid="3">
+                                            <p:txEl>
+                                              <p:pRg st="1" end="1"/>
+                                            </p:txEl>
+                                          </p:spTgt>
+                                        </p:tgtEl>
+                                      </p:cBhvr>
+                                    </p:animEffect>
+                                    <p:anim calcmode="lin" valueType="num">
+                                      <p:cBhvr>
+                                        <p:cTn id="15" dur="1000" fill="hold"/>
+                                        <p:tgtEl>
+                                          <p:spTgt spid="3">
+                                            <p:txEl>
+                                              <p:pRg st="1" end="1"/>
+                                            </p:txEl>
+                                          </p:spTgt>
+                                        </p:tgtEl>
+                                        <p:attrNameLst>
+                                          <p:attrName>ppt_x</p:attrName>
+                                        </p:attrNameLst>
+                                      </p:cBhvr>
+                                      <p:tavLst>
+                                        <p:tav tm="0">
+                                          <p:val>
+                                            <p:strVal val="#ppt_x"/>
+                                          </p:val>
+                                        </p:tav>
+                                        <p:tav tm="100000">
+                                          <p:val>
+                                            <p:strVal val="#ppt_x"/>
+                                          </p:val>
+                                        </p:tav>
+                                      </p:tavLst>
+                                    </p:anim>
+                                    <p:anim calcmode="lin" valueType="num">
+                                      <p:cBhvr>
+                                        <p:cTn id="16" dur="1000" fill="hold"/>
+                                        <p:tgtEl>
+                                          <p:spTgt spid="3">
+                                            <p:txEl>
+                                              <p:pRg st="1" end="1"/>
+                                            </p:txEl>
+                                          </p:spTgt>
+                                        </p:tgtEl>
+                                        <p:attrNameLst>
+                                          <p:attrName>ppt_y</p:attrName>
+                                        </p:attrNameLst>
+                                      </p:cBhvr>
+                                      <p:tavLst>
+                                        <p:tav tm="0">
+                                          <p:val>
+                                            <p:strVal val="#ppt_y+.1"/>
+                                          </p:val>
+                                        </p:tav>
+                                        <p:tav tm="100000">
+                                          <p:val>
+                                            <p:strVal val="#ppt_y"/>
+                                          </p:val>
+                                        </p:tav>
+                                      </p:tavLst>
+                                    </p:anim>
+                                  </p:childTnLst>
+                                </p:cTn>
+                              </p:par>
+                            </p:childTnLst>
+                          </p:cTn>
+                        </p:par>
+                      </p:childTnLst>
+                    </p:cTn>
+                  </p:par>
+                  <p:par>
+                    <p:cTn id="17" fill="hold">
+                      <p:stCondLst>
+                        <p:cond delay="indefinite"/>
+                      </p:stCondLst>
+                      <p:childTnLst>
+                        <p:par>
+                          <p:cTn id="18" fill="hold">
+                            <p:stCondLst>
+                              <p:cond delay="0"/>
+                            </p:stCondLst>
+                            <p:childTnLst>
+                              <p:par>
+                                <p:cTn id="19" presetID="42" presetClass="entr" presetSubtype="0" fill="hold" grpId="0" nodeType="clickEffect">
+                                  <p:stCondLst>
+                                    <p:cond delay="0"/>
+                                  </p:stCondLst>
+                                  <p:childTnLst>
+                                    <p:set>
+                                      <p:cBhvr>
+                                        <p:cTn id="20" dur="1" fill="hold">
+                                          <p:stCondLst>
+                                            <p:cond delay="0"/>
+                                          </p:stCondLst>
+                                        </p:cTn>
+                                        <p:tgtEl>
+                                          <p:spTgt spid="3">
+                                            <p:txEl>
+                                              <p:pRg st="2" end="2"/>
+                                            </p:txEl>
+                                          </p:spTgt>
+                                        </p:tgtEl>
+                                        <p:attrNameLst>
+                                          <p:attrName>style.visibility</p:attrName>
+                                        </p:attrNameLst>
+                                      </p:cBhvr>
+                                      <p:to>
+                                        <p:strVal val="visible"/>
+                                      </p:to>
+                                    </p:set>
+                                    <p:animEffect transition="in" filter="fade">
+                                      <p:cBhvr>
+                                        <p:cTn id="21" dur="1000"/>
+                                        <p:tgtEl>
+                                          <p:spTgt spid="3">
+                                            <p:txEl>
+                                              <p:pRg st="2" end="2"/>
+                                            </p:txEl>
+                                          </p:spTgt>
+                                        </p:tgtEl>
+                                      </p:cBhvr>
+                                    </p:animEffect>
+                                    <p:anim calcmode="lin" valueType="num">
+                                      <p:cBhvr>
+                                        <p:cTn id="22" dur="1000" fill="hold"/>
+                                        <p:tgtEl>
+                                          <p:spTgt spid="3">
+                                            <p:txEl>
+                                              <p:pRg st="2" end="2"/>
+                                            </p:txEl>
+                                          </p:spTgt>
+                                        </p:tgtEl>
+                                        <p:attrNameLst>
+                                          <p:attrName>ppt_x</p:attrName>
+                                        </p:attrNameLst>
+                                      </p:cBhvr>
+                                      <p:tavLst>
+                                        <p:tav tm="0">
+                                          <p:val>
+                                            <p:strVal val="#ppt_x"/>
+                                          </p:val>
+                                        </p:tav>
+                                        <p:tav tm="100000">
+                                          <p:val>
+                                            <p:strVal val="#ppt_x"/>
+                                          </p:val>
+                                        </p:tav>
+                                      </p:tavLst>
+                                    </p:anim>
+                                    <p:anim calcmode="lin" valueType="num">
+                                      <p:cBhvr>
+                                        <p:cTn id="23" dur="1000" fill="hold"/>
+                                        <p:tgtEl>
+                                          <p:spTgt spid="3">
+                                            <p:txEl>
+                                              <p:pRg st="2" end="2"/>
+                                            </p:txEl>
+                                          </p:spTgt>
+                                        </p:tgtEl>
+                                        <p:attrNameLst>
+                                          <p:attrName>ppt_y</p:attrName>
+                                        </p:attrNameLst>
+                                      </p:cBhvr>
+                                      <p:tavLst>
+                                        <p:tav tm="0">
+                                          <p:val>
+                                            <p:strVal val="#ppt_y+.1"/>
+                                          </p:val>
+                                        </p:tav>
+                                        <p:tav tm="100000">
+                                          <p:val>
+                                            <p:strVal val="#ppt_y"/>
+                                          </p:val>
+                                        </p:tav>
+                                      </p:tavLst>
+                                    </p:anim>
+                                  </p:childTnLst>
+                                </p:cTn>
+                              </p:par>
+                            </p:childTnLst>
+                          </p:cTn>
+                        </p:par>
+                      </p:childTnLst>
+                    </p:cTn>
+                  </p:par>
+                  <p:par>
+                    <p:cTn id="24" fill="hold">
+                      <p:stCondLst>
+                        <p:cond delay="indefinite"/>
+                      </p:stCondLst>
+                      <p:childTnLst>
+                        <p:par>
+                          <p:cTn id="25" fill="hold">
+                            <p:stCondLst>
+                              <p:cond delay="0"/>
+                            </p:stCondLst>
+                            <p:childTnLst>
+                              <p:par>
+                                <p:cTn id="26" presetID="42" presetClass="entr" presetSubtype="0" fill="hold" grpId="0" nodeType="clickEffect">
+                                  <p:stCondLst>
+                                    <p:cond delay="0"/>
+                                  </p:stCondLst>
+                                  <p:childTnLst>
+                                    <p:set>
+                                      <p:cBhvr>
+                                        <p:cTn id="27" dur="1" fill="hold">
+                                          <p:stCondLst>
+                                            <p:cond delay="0"/>
+                                          </p:stCondLst>
+                                        </p:cTn>
+                                        <p:tgtEl>
+                                          <p:spTgt spid="3">
+                                            <p:txEl>
+                                              <p:pRg st="3" end="3"/>
+                                            </p:txEl>
+                                          </p:spTgt>
+                                        </p:tgtEl>
+                                        <p:attrNameLst>
+                                          <p:attrName>style.visibility</p:attrName>
+                                        </p:attrNameLst>
+                                      </p:cBhvr>
+                                      <p:to>
+                                        <p:strVal val="visible"/>
+                                      </p:to>
+                                    </p:set>
+                                    <p:animEffect transition="in" filter="fade">
+                                      <p:cBhvr>
+                                        <p:cTn id="28" dur="1000"/>
+                                        <p:tgtEl>
+                                          <p:spTgt spid="3">
+                                            <p:txEl>
+                                              <p:pRg st="3" end="3"/>
+                                            </p:txEl>
+                                          </p:spTgt>
+                                        </p:tgtEl>
+                                      </p:cBhvr>
+                                    </p:animEffect>
+                                    <p:anim calcmode="lin" valueType="num">
+                                      <p:cBhvr>
+                                        <p:cTn id="29" dur="1000" fill="hold"/>
+                                        <p:tgtEl>
+                                          <p:spTgt spid="3">
+                                            <p:txEl>
+                                              <p:pRg st="3" end="3"/>
+                                            </p:txEl>
+                                          </p:spTgt>
+                                        </p:tgtEl>
+                                        <p:attrNameLst>
+                                          <p:attrName>ppt_x</p:attrName>
+                                        </p:attrNameLst>
+                                      </p:cBhvr>
+                                      <p:tavLst>
+                                        <p:tav tm="0">
+                                          <p:val>
+                                            <p:strVal val="#ppt_x"/>
+                                          </p:val>
+                                        </p:tav>
+                                        <p:tav tm="100000">
+                                          <p:val>
+                                            <p:strVal val="#ppt_x"/>
+                                          </p:val>
+                                        </p:tav>
+                                      </p:tavLst>
+                                    </p:anim>
+                                    <p:anim calcmode="lin" valueType="num">
+                                      <p:cBhvr>
+                                        <p:cTn id="30" dur="1000" fill="hold"/>
+                                        <p:tgtEl>
+                                          <p:spTgt spid="3">
+                                            <p:txEl>
+                                              <p:pRg st="3" end="3"/>
+                                            </p:txEl>
+                                          </p:spTgt>
+                                        </p:tgtEl>
+                                        <p:attrNameLst>
+                                          <p:attrName>ppt_y</p:attrName>
+                                        </p:attrNameLst>
+                                      </p:cBhvr>
+                                      <p:tavLst>
+                                        <p:tav tm="0">
+                                          <p:val>
+                                            <p:strVal val="#ppt_y+.1"/>
+                                          </p:val>
+                                        </p:tav>
+                                        <p:tav tm="100000">
+                                          <p:val>
+                                            <p:strVal val="#ppt_y"/>
+                                          </p:val>
+                                        </p:tav>
+                                      </p:tavLst>
+                                    </p:anim>
+                                  </p:childTnLst>
+                                </p:cTn>
+                              </p:par>
+                            </p:childTnLst>
+                          </p:cTn>
+                        </p:par>
+                      </p:childTnLst>
+                    </p:cTn>
+                  </p:par>
+                  <p:par>
+                    <p:cTn id="31" fill="hold">
+                      <p:stCondLst>
+                        <p:cond delay="indefinite"/>
+                      </p:stCondLst>
+                      <p:childTnLst>
+                        <p:par>
+                          <p:cTn id="32" fill="hold">
+                            <p:stCondLst>
+                              <p:cond delay="0"/>
+                            </p:stCondLst>
+                            <p:childTnLst>
+                              <p:par>
+                                <p:cTn id="33" presetID="42" presetClass="entr" presetSubtype="0" fill="hold" grpId="0" nodeType="clickEffect">
+                                  <p:stCondLst>
+                                    <p:cond delay="0"/>
+                                  </p:stCondLst>
+                                  <p:childTnLst>
+                                    <p:set>
+                                      <p:cBhvr>
+                                        <p:cTn id="34" dur="1" fill="hold">
+                                          <p:stCondLst>
+                                            <p:cond delay="0"/>
+                                          </p:stCondLst>
+                                        </p:cTn>
+                                        <p:tgtEl>
+                                          <p:spTgt spid="3">
+                                            <p:txEl>
+                                              <p:pRg st="4" end="4"/>
+                                            </p:txEl>
+                                          </p:spTgt>
+                                        </p:tgtEl>
+                                        <p:attrNameLst>
+                                          <p:attrName>style.visibility</p:attrName>
+                                        </p:attrNameLst>
+                                      </p:cBhvr>
+                                      <p:to>
+                                        <p:strVal val="visible"/>
+                                      </p:to>
+                                    </p:set>
+                                    <p:animEffect transition="in" filter="fade">
+                                      <p:cBhvr>
+                                        <p:cTn id="35" dur="1000"/>
+                                        <p:tgtEl>
+                                          <p:spTgt spid="3">
+                                            <p:txEl>
+                                              <p:pRg st="4" end="4"/>
+                                            </p:txEl>
+                                          </p:spTgt>
+                                        </p:tgtEl>
+                                      </p:cBhvr>
+                                    </p:animEffect>
+                                    <p:anim calcmode="lin" valueType="num">
+                                      <p:cBhvr>
+                                        <p:cTn id="36" dur="1000" fill="hold"/>
+                                        <p:tgtEl>
+                                          <p:spTgt spid="3">
+                                            <p:txEl>
+                                              <p:pRg st="4" end="4"/>
+                                            </p:txEl>
+                                          </p:spTgt>
+                                        </p:tgtEl>
+                                        <p:attrNameLst>
+                                          <p:attrName>ppt_x</p:attrName>
+                                        </p:attrNameLst>
+                                      </p:cBhvr>
+                                      <p:tavLst>
+                                        <p:tav tm="0">
+                                          <p:val>
+                                            <p:strVal val="#ppt_x"/>
+                                          </p:val>
+                                        </p:tav>
+                                        <p:tav tm="100000">
+                                          <p:val>
+                                            <p:strVal val="#ppt_x"/>
+                                          </p:val>
+                                        </p:tav>
+                                      </p:tavLst>
+                                    </p:anim>
+                                    <p:anim calcmode="lin" valueType="num">
+                                      <p:cBhvr>
+                                        <p:cTn id="37" dur="1000" fill="hold"/>
+                                        <p:tgtEl>
+                                          <p:spTgt spid="3">
+                                            <p:txEl>
+                                              <p:pRg st="4" end="4"/>
+                                            </p:txEl>
+                                          </p:spTgt>
+                                        </p:tgtEl>
+                                        <p:attrNameLst>
+                                          <p:attrName>ppt_y</p:attrName>
+                                        </p:attrNameLst>
+                                      </p:cBhvr>
+                                      <p:tavLst>
+                                        <p:tav tm="0">
+                                          <p:val>
+                                            <p:strVal val="#ppt_y+.1"/>
+                                          </p:val>
+                                        </p:tav>
+                                        <p:tav tm="100000">
+                                          <p:val>
+                                            <p:strVal val="#ppt_y"/>
+                                          </p:val>
+                                        </p:tav>
+                                      </p:tavLst>
+                                    </p:anim>
+                                  </p:childTnLst>
+                                </p:cTn>
+                              </p:par>
+                            </p:childTnLst>
+                          </p:cTn>
+                        </p:par>
+                      </p:childTnLst>
+                    </p:cTn>
+                  </p:par>
+                  <p:par>
+                    <p:cTn id="38" fill="hold">
+                      <p:stCondLst>
+                        <p:cond delay="indefinite"/>
+                      </p:stCondLst>
+                      <p:childTnLst>
+                        <p:par>
+                          <p:cTn id="39" fill="hold">
+                            <p:stCondLst>
+                              <p:cond delay="0"/>
+                            </p:stCondLst>
+                            <p:childTnLst>
+                              <p:par>
+                                <p:cTn id="40" presetID="42" presetClass="entr" presetSubtype="0" fill="hold" grpId="0" nodeType="clickEffect">
+                                  <p:stCondLst>
+                                    <p:cond delay="0"/>
+                                  </p:stCondLst>
+                                  <p:childTnLst>
+                                    <p:set>
+                                      <p:cBhvr>
+                                        <p:cTn id="41" dur="1" fill="hold">
+                                          <p:stCondLst>
+                                            <p:cond delay="0"/>
+                                          </p:stCondLst>
+                                        </p:cTn>
+                                        <p:tgtEl>
+                                          <p:spTgt spid="4">
+                                            <p:txEl>
+                                              <p:pRg st="0" end="0"/>
+                                            </p:txEl>
+                                          </p:spTgt>
+                                        </p:tgtEl>
+                                        <p:attrNameLst>
+                                          <p:attrName>style.visibility</p:attrName>
+                                        </p:attrNameLst>
+                                      </p:cBhvr>
+                                      <p:to>
+                                        <p:strVal val="visible"/>
+                                      </p:to>
+                                    </p:set>
+                                    <p:animEffect transition="in" filter="fade">
+                                      <p:cBhvr>
+                                        <p:cTn id="42" dur="1000"/>
+                                        <p:tgtEl>
+                                          <p:spTgt spid="4">
+                                            <p:txEl>
+                                              <p:pRg st="0" end="0"/>
+                                            </p:txEl>
+                                          </p:spTgt>
+                                        </p:tgtEl>
+                                      </p:cBhvr>
+                                    </p:animEffect>
+                                    <p:anim calcmode="lin" valueType="num">
+                                      <p:cBhvr>
+                                        <p:cTn id="43" dur="1000" fill="hold"/>
+                                        <p:tgtEl>
+                                          <p:spTgt spid="4">
+                                            <p:txEl>
+                                              <p:pRg st="0" end="0"/>
+                                            </p:txEl>
+                                          </p:spTgt>
+                                        </p:tgtEl>
+                                        <p:attrNameLst>
+                                          <p:attrName>ppt_x</p:attrName>
+                                        </p:attrNameLst>
+                                      </p:cBhvr>
+                                      <p:tavLst>
+                                        <p:tav tm="0">
+                                          <p:val>
+                                            <p:strVal val="#ppt_x"/>
+                                          </p:val>
+                                        </p:tav>
+                                        <p:tav tm="100000">
+                                          <p:val>
+                                            <p:strVal val="#ppt_x"/>
+                                          </p:val>
+                                        </p:tav>
+                                      </p:tavLst>
+                                    </p:anim>
+                                    <p:anim calcmode="lin" valueType="num">
+                                      <p:cBhvr>
+                                        <p:cTn id="44" dur="1000" fill="hold"/>
+                                        <p:tgtEl>
+                                          <p:spTgt spid="4">
+                                            <p:txEl>
+                                              <p:pRg st="0" end="0"/>
+                                            </p:txEl>
+                                          </p:spTgt>
+                                        </p:tgtEl>
+                                        <p:attrNameLst>
+                                          <p:attrName>ppt_y</p:attrName>
+                                        </p:attrNameLst>
+                                      </p:cBhvr>
+                                      <p:tavLst>
+                                        <p:tav tm="0">
+                                          <p:val>
+                                            <p:strVal val="#ppt_y+.1"/>
+                                          </p:val>
+                                        </p:tav>
+                                        <p:tav tm="100000">
+                                          <p:val>
+                                            <p:strVal val="#ppt_y"/>
+                                          </p:val>
+                                        </p:tav>
+                                      </p:tavLst>
+                                    </p:anim>
+                                  </p:childTnLst>
+                                </p:cTn>
+                              </p:par>
+                            </p:childTnLst>
+                          </p:cTn>
+                        </p:par>
+                      </p:childTnLst>
+                    </p:cTn>
+                  </p:par>
+                  <p:par>
+                    <p:cTn id="45" fill="hold">
+                      <p:stCondLst>
+                        <p:cond delay="indefinite"/>
+                      </p:stCondLst>
+                      <p:childTnLst>
+                        <p:par>
+                          <p:cTn id="46" fill="hold">
+                            <p:stCondLst>
+                              <p:cond delay="0"/>
+                            </p:stCondLst>
+                            <p:childTnLst>
+                              <p:par>
+                                <p:cTn id="47" presetID="42" presetClass="entr" presetSubtype="0" fill="hold" grpId="0" nodeType="clickEffect">
+                                  <p:stCondLst>
+                                    <p:cond delay="0"/>
+                                  </p:stCondLst>
+                                  <p:childTnLst>
+                                    <p:set>
+                                      <p:cBhvr>
+                                        <p:cTn id="48" dur="1" fill="hold">
+                                          <p:stCondLst>
+                                            <p:cond delay="0"/>
+                                          </p:stCondLst>
+                                        </p:cTn>
+                                        <p:tgtEl>
+                                          <p:spTgt spid="4">
+                                            <p:txEl>
+                                              <p:pRg st="1" end="1"/>
+                                            </p:txEl>
+                                          </p:spTgt>
+                                        </p:tgtEl>
+                                        <p:attrNameLst>
+                                          <p:attrName>style.visibility</p:attrName>
+                                        </p:attrNameLst>
+                                      </p:cBhvr>
+                                      <p:to>
+                                        <p:strVal val="visible"/>
+                                      </p:to>
+                                    </p:set>
+                                    <p:animEffect transition="in" filter="fade">
+                                      <p:cBhvr>
+                                        <p:cTn id="49" dur="1000"/>
+                                        <p:tgtEl>
+                                          <p:spTgt spid="4">
+                                            <p:txEl>
+                                              <p:pRg st="1" end="1"/>
+                                            </p:txEl>
+                                          </p:spTgt>
+                                        </p:tgtEl>
+                                      </p:cBhvr>
+                                    </p:animEffect>
+                                    <p:anim calcmode="lin" valueType="num">
+                                      <p:cBhvr>
+                                        <p:cTn id="50" dur="1000" fill="hold"/>
+                                        <p:tgtEl>
+                                          <p:spTgt spid="4">
+                                            <p:txEl>
+                                              <p:pRg st="1" end="1"/>
+                                            </p:txEl>
+                                          </p:spTgt>
+                                        </p:tgtEl>
+                                        <p:attrNameLst>
+                                          <p:attrName>ppt_x</p:attrName>
+                                        </p:attrNameLst>
+                                      </p:cBhvr>
+                                      <p:tavLst>
+                                        <p:tav tm="0">
+                                          <p:val>
+                                            <p:strVal val="#ppt_x"/>
+                                          </p:val>
+                                        </p:tav>
+                                        <p:tav tm="100000">
+                                          <p:val>
+                                            <p:strVal val="#ppt_x"/>
+                                          </p:val>
+                                        </p:tav>
+                                      </p:tavLst>
+                                    </p:anim>
+                                    <p:anim calcmode="lin" valueType="num">
+                                      <p:cBhvr>
+                                        <p:cTn id="51" dur="1000" fill="hold"/>
+                                        <p:tgtEl>
+                                          <p:spTgt spid="4">
+                                            <p:txEl>
+                                              <p:pRg st="1" end="1"/>
+                                            </p:txEl>
+                                          </p:spTgt>
+                                        </p:tgtEl>
+                                        <p:attrNameLst>
+                                          <p:attrName>ppt_y</p:attrName>
+                                        </p:attrNameLst>
+                                      </p:cBhvr>
+                                      <p:tavLst>
+                                        <p:tav tm="0">
+                                          <p:val>
+                                            <p:strVal val="#ppt_y+.1"/>
+                                          </p:val>
+                                        </p:tav>
+                                        <p:tav tm="100000">
+                                          <p:val>
+                                            <p:strVal val="#ppt_y"/>
+                                          </p:val>
+                                        </p:tav>
+                                      </p:tavLst>
+                                    </p:anim>
+                                  </p:childTnLst>
+                                </p:cTn>
+                              </p:par>
+                            </p:childTnLst>
+                          </p:cTn>
+                        </p:par>
+                      </p:childTnLst>
+                    </p:cTn>
+                  </p:par>
+                  <p:par>
+                    <p:cTn id="52" fill="hold">
+                      <p:stCondLst>
+                        <p:cond delay="indefinite"/>
+                      </p:stCondLst>
+                      <p:childTnLst>
+                        <p:par>
+                          <p:cTn id="53" fill="hold">
+                            <p:stCondLst>
+                              <p:cond delay="0"/>
+                            </p:stCondLst>
+                            <p:childTnLst>
+                              <p:par>
+                                <p:cTn id="54" presetID="42" presetClass="entr" presetSubtype="0" fill="hold" grpId="0" nodeType="clickEffect">
+                                  <p:stCondLst>
+                                    <p:cond delay="0"/>
+                                  </p:stCondLst>
+                                  <p:childTnLst>
+                                    <p:set>
+                                      <p:cBhvr>
+                                        <p:cTn id="55" dur="1" fill="hold">
+                                          <p:stCondLst>
+                                            <p:cond delay="0"/>
+                                          </p:stCondLst>
+                                        </p:cTn>
+                                        <p:tgtEl>
+                                          <p:spTgt spid="4">
+                                            <p:txEl>
+                                              <p:pRg st="2" end="2"/>
+                                            </p:txEl>
+                                          </p:spTgt>
+                                        </p:tgtEl>
+                                        <p:attrNameLst>
+                                          <p:attrName>style.visibility</p:attrName>
+                                        </p:attrNameLst>
+                                      </p:cBhvr>
+                                      <p:to>
+                                        <p:strVal val="visible"/>
+                                      </p:to>
+                                    </p:set>
+                                    <p:animEffect transition="in" filter="fade">
+                                      <p:cBhvr>
+                                        <p:cTn id="56" dur="1000"/>
+                                        <p:tgtEl>
+                                          <p:spTgt spid="4">
+                                            <p:txEl>
+                                              <p:pRg st="2" end="2"/>
+                                            </p:txEl>
+                                          </p:spTgt>
+                                        </p:tgtEl>
+                                      </p:cBhvr>
+                                    </p:animEffect>
+                                    <p:anim calcmode="lin" valueType="num">
+                                      <p:cBhvr>
+                                        <p:cTn id="57" dur="1000" fill="hold"/>
+                                        <p:tgtEl>
+                                          <p:spTgt spid="4">
+                                            <p:txEl>
+                                              <p:pRg st="2" end="2"/>
+                                            </p:txEl>
+                                          </p:spTgt>
+                                        </p:tgtEl>
+                                        <p:attrNameLst>
+                                          <p:attrName>ppt_x</p:attrName>
+                                        </p:attrNameLst>
+                                      </p:cBhvr>
+                                      <p:tavLst>
+                                        <p:tav tm="0">
+                                          <p:val>
+                                            <p:strVal val="#ppt_x"/>
+                                          </p:val>
+                                        </p:tav>
+                                        <p:tav tm="100000">
+                                          <p:val>
+                                            <p:strVal val="#ppt_x"/>
+                                          </p:val>
+                                        </p:tav>
+                                      </p:tavLst>
+                                    </p:anim>
+                                    <p:anim calcmode="lin" valueType="num">
+                                      <p:cBhvr>
+                                        <p:cTn id="58" dur="1000" fill="hold"/>
+                                        <p:tgtEl>
+                                          <p:spTgt spid="4">
+                                            <p:txEl>
+                                              <p:pRg st="2" end="2"/>
+                                            </p:txEl>
+                                          </p:spTgt>
+                                        </p:tgtEl>
+                                        <p:attrNameLst>
+                                          <p:attrName>ppt_y</p:attrName>
+                                        </p:attrNameLst>
+                                      </p:cBhvr>
+                                      <p:tavLst>
+                                        <p:tav tm="0">
+                                          <p:val>
+                                            <p:strVal val="#ppt_y+.1"/>
+                                          </p:val>
+                                        </p:tav>
+                                        <p:tav tm="100000">
+                                          <p:val>
+                                            <p:strVal val="#ppt_y"/>
+                                          </p:val>
+                                        </p:tav>
+                                      </p:tavLst>
+                                    </p:anim>
+                                  </p:childTnLst>
+                                </p:cTn>
+                              </p:par>
+                            </p:childTnLst>
+                          </p:cTn>
+                        </p:par>
+                      </p:childTnLst>
+                    </p:cTn>
+                  </p:par>
+                  <p:par>
+                    <p:cTn id="59" fill="hold">
+                      <p:stCondLst>
+                        <p:cond delay="indefinite"/>
+                      </p:stCondLst>
+                      <p:childTnLst>
+                        <p:par>
+                          <p:cTn id="60" fill="hold">
+                            <p:stCondLst>
+                              <p:cond delay="0"/>
+                            </p:stCondLst>
+                            <p:childTnLst>
+                              <p:par>
+                                <p:cTn id="61" presetID="42" presetClass="entr" presetSubtype="0" fill="hold" grpId="0" nodeType="clickEffect">
+                                  <p:stCondLst>
+                                    <p:cond delay="0"/>
+                                  </p:stCondLst>
+                                  <p:childTnLst>
+                                    <p:set>
+                                      <p:cBhvr>
+                                        <p:cTn id="62" dur="1" fill="hold">
+                                          <p:stCondLst>
+                                            <p:cond delay="0"/>
+                                          </p:stCondLst>
+                                        </p:cTn>
+                                        <p:tgtEl>
+                                          <p:spTgt spid="4">
+                                            <p:txEl>
+                                              <p:pRg st="3" end="3"/>
+                                            </p:txEl>
+                                          </p:spTgt>
+                                        </p:tgtEl>
+                                        <p:attrNameLst>
+                                          <p:attrName>style.visibility</p:attrName>
+                                        </p:attrNameLst>
+                                      </p:cBhvr>
+                                      <p:to>
+                                        <p:strVal val="visible"/>
+                                      </p:to>
+                                    </p:set>
+                                    <p:animEffect transition="in" filter="fade">
+                                      <p:cBhvr>
+                                        <p:cTn id="63" dur="1000"/>
+                                        <p:tgtEl>
+                                          <p:spTgt spid="4">
+                                            <p:txEl>
+                                              <p:pRg st="3" end="3"/>
+                                            </p:txEl>
+                                          </p:spTgt>
+                                        </p:tgtEl>
+                                      </p:cBhvr>
+                                    </p:animEffect>
+                                    <p:anim calcmode="lin" valueType="num">
+                                      <p:cBhvr>
+                                        <p:cTn id="64" dur="1000" fill="hold"/>
+                                        <p:tgtEl>
+                                          <p:spTgt spid="4">
+                                            <p:txEl>
+                                              <p:pRg st="3" end="3"/>
+                                            </p:txEl>
+                                          </p:spTgt>
+                                        </p:tgtEl>
+                                        <p:attrNameLst>
+                                          <p:attrName>ppt_x</p:attrName>
+                                        </p:attrNameLst>
+                                      </p:cBhvr>
+                                      <p:tavLst>
+                                        <p:tav tm="0">
+                                          <p:val>
+                                            <p:strVal val="#ppt_x"/>
+                                          </p:val>
+                                        </p:tav>
+                                        <p:tav tm="100000">
+                                          <p:val>
+                                            <p:strVal val="#ppt_x"/>
+                                          </p:val>
+                                        </p:tav>
+                                      </p:tavLst>
+                                    </p:anim>
+                                    <p:anim calcmode="lin" valueType="num">
+                                      <p:cBhvr>
+                                        <p:cTn id="65" dur="1000" fill="hold"/>
+                                        <p:tgtEl>
+                                          <p:spTgt spid="4">
+                                            <p:txEl>
+                                              <p:pRg st="3" end="3"/>
+                                            </p:txEl>
+                                          </p:spTgt>
+                                        </p:tgtEl>
+                                        <p:attrNameLst>
+                                          <p:attrName>ppt_y</p:attrName>
+                                        </p:attrNameLst>
+                                      </p:cBhvr>
+                                      <p:tavLst>
+                                        <p:tav tm="0">
+                                          <p:val>
+                                            <p:strVal val="#ppt_y+.1"/>
+                                          </p:val>
+                                        </p:tav>
+                                        <p:tav tm="100000">
+                                          <p:val>
+                                            <p:strVal val="#ppt_y"/>
+                                          </p:val>
+                                        </p:tav>
+                                      </p:tavLst>
+                                    </p:anim>
+                                  </p:childTnLst>
+                                </p:cTn>
+                              </p:par>
+                            </p:childTnLst>
+                          </p:cTn>
+                        </p:par>
+                      </p:childTnLst>
+                    </p:cTn>
+                  </p:par>
+                </p:childTnLst>
+              </p:cTn>
+              <p:prevCondLst>
+                <p:cond evt="onPrev" delay="0">
+                  <p:tgtEl>
+                    <p:sldTgt/>
+                  </p:tgtEl>
+                </p:cond>
+              </p:prevCondLst>
+              <p:nextCondLst>
+                <p:cond evt="onNext" delay="0">
+                  <p:tgtEl>
+                    <p:sldTgt/>
+                  </p:tgtEl>
+                </p:cond>
+              </p:nextCondLst>
+            </p:seq>
+          </p:childTnLst>
+        </p:cTn>
+      </p:par>
+    </p:tnLst>
+    <p:bldLst>
+      <p:bldP spid="3" grpId="0" build="p"/>
+      <p:bldP spid="4" grpId="0" build="p"/>
+    </p:bldLst>
+  </p:timing>
+</p:sld>
+</file>
+
+<file path=ppt/slides/slide18.xml><?xml version="1.0" encoding="utf-8"?>
+<p:sld xmlns:a="http://schemas.openxmlformats.org/drawingml/2006/main" xmlns:r="http://schemas.openxmlformats.org/officeDocument/2006/relationships" xmlns:p="http://schemas.openxmlformats.org/presentationml/2006/main">
+  <p:cSld>
+    <p:spTree>
+      <p:nvGrpSpPr>
+        <p:cNvPr id="1" name=""/>
+        <p:cNvGrpSpPr/>
+        <p:nvPr/>
+      </p:nvGrpSpPr>
+      <p:grpSpPr>
+        <a:xfrm>
+          <a:off x="0" y="0"/>
+          <a:ext cx="0" cy="0"/>
+          <a:chOff x="0" y="0"/>
+          <a:chExt cx="0" cy="0"/>
+        </a:xfrm>
+      </p:grpSpPr>
+      <p:sp>
+        <p:nvSpPr>
+          <p:cNvPr id="2" name="Title 1"/>
+          <p:cNvSpPr>
+            <a:spLocks noGrp="1"/>
+          </p:cNvSpPr>
+          <p:nvPr>
+            <p:ph type="title"/>
+          </p:nvPr>
+        </p:nvSpPr>
+        <p:spPr/>
+        <p:txBody>
           <a:bodyPr/>
           <a:lstStyle/>
           <a:p>
@@ -10354,6 +11342,13 @@
   <p:clrMapOvr>
     <a:masterClrMapping/>
   </p:clrMapOvr>
+  <p:timing>
+    <p:tnLst>
+      <p:par>
+        <p:cTn id="1" dur="indefinite" restart="never" nodeType="tmRoot"/>
+      </p:par>
+    </p:tnLst>
+  </p:timing>
 </p:sld>
 </file>
 
@@ -10429,7 +11424,15 @@
             </a:pPr>
             <a:r>
               <a:rPr lang="en-US" sz="6000" dirty="0" smtClean="0"/>
-              <a:t>Cheryl Heinrichs</a:t>
+              <a:t>Rincy </a:t>
+            </a:r>
+            <a:r>
+              <a:rPr lang="en-US" sz="6000" dirty="0" smtClean="0"/>
+              <a:t>Mary </a:t>
+            </a:r>
+            <a:r>
+              <a:rPr lang="en-US" sz="6000" dirty="0" smtClean="0"/>
+              <a:t>Varghese</a:t>
             </a:r>
           </a:p>
           <a:p>
@@ -10437,9 +11440,14 @@
               <a:buNone/>
             </a:pPr>
             <a:r>
+              <a:rPr lang="en-US" sz="6000" dirty="0"/>
+              <a:t>Cheryl </a:t>
+            </a:r>
+            <a:r>
               <a:rPr lang="en-US" sz="6000" dirty="0" smtClean="0"/>
-              <a:t>Rincy Mary Varghese</a:t>
-            </a:r>
+              <a:t>Heinrichs</a:t>
+            </a:r>
+            <a:endParaRPr lang="en-US" sz="6000" dirty="0" smtClean="0"/>
           </a:p>
           <a:p>
             <a:pPr marL="0" indent="0" algn="ctr">
@@ -15751,15 +16759,6 @@
 </file>
 
 <file path=customXml/item1.xml><?xml version="1.0" encoding="utf-8"?>
-<?mso-contentType ?>
-<FormTemplates xmlns="http://schemas.microsoft.com/sharepoint/v3/contenttype/forms">
-  <Display>DocumentLibraryForm</Display>
-  <Edit>DocumentLibraryForm</Edit>
-  <New>DocumentLibraryForm</New>
-</FormTemplates>
-</file>
-
-<file path=customXml/item2.xml><?xml version="1.0" encoding="utf-8"?>
 <ct:contentTypeSchema xmlns:ct="http://schemas.microsoft.com/office/2006/metadata/contentType" xmlns:ma="http://schemas.microsoft.com/office/2006/metadata/properties/metaAttributes" ct:_="" ma:_="" ma:contentTypeName="Document" ma:contentTypeID="0x010100FE3FD359B41A2446A6926B97FF84CAF2" ma:contentTypeVersion="0" ma:contentTypeDescription="Create a new document." ma:contentTypeScope="" ma:versionID="b34514f2d719553726317b6e02f80e9f">
   <xsd:schema xmlns:xsd="http://www.w3.org/2001/XMLSchema" xmlns:xs="http://www.w3.org/2001/XMLSchema" xmlns:p="http://schemas.microsoft.com/office/2006/metadata/properties" targetNamespace="http://schemas.microsoft.com/office/2006/metadata/properties" ma:root="true" ma:fieldsID="1b05d82d297216baf5b26c55225140df">
     <xsd:element name="properties">
@@ -15873,6 +16872,15 @@
 </ct:contentTypeSchema>
 </file>
 
+<file path=customXml/item2.xml><?xml version="1.0" encoding="utf-8"?>
+<?mso-contentType ?>
+<FormTemplates xmlns="http://schemas.microsoft.com/sharepoint/v3/contenttype/forms">
+  <Display>DocumentLibraryForm</Display>
+  <Edit>DocumentLibraryForm</Edit>
+  <New>DocumentLibraryForm</New>
+</FormTemplates>
+</file>
+
 <file path=customXml/item3.xml><?xml version="1.0" encoding="utf-8"?>
 <p:properties xmlns:p="http://schemas.microsoft.com/office/2006/metadata/properties" xmlns:xsi="http://www.w3.org/2001/XMLSchema-instance" xmlns:pc="http://schemas.microsoft.com/office/infopath/2007/PartnerControls">
   <documentManagement/>
@@ -15880,14 +16888,6 @@
 </file>
 
 <file path=customXml/itemProps1.xml><?xml version="1.0" encoding="utf-8"?>
-<ds:datastoreItem xmlns:ds="http://schemas.openxmlformats.org/officeDocument/2006/customXml" ds:itemID="{4AEAC9A2-2CDC-4AA7-83EE-65A10EF3B8C7}">
-  <ds:schemaRefs>
-    <ds:schemaRef ds:uri="http://schemas.microsoft.com/sharepoint/v3/contenttype/forms"/>
-  </ds:schemaRefs>
-</ds:datastoreItem>
-</file>
-
-<file path=customXml/itemProps2.xml><?xml version="1.0" encoding="utf-8"?>
 <ds:datastoreItem xmlns:ds="http://schemas.openxmlformats.org/officeDocument/2006/customXml" ds:itemID="{96D9C8D7-75BE-4A19-AB6D-9F479A5B56C8}">
   <ds:schemaRefs>
     <ds:schemaRef ds:uri="http://schemas.microsoft.com/office/2006/metadata/contentType"/>
@@ -15899,6 +16899,14 @@
     <ds:schemaRef ds:uri="http://purl.org/dc/terms/"/>
     <ds:schemaRef ds:uri="http://schemas.microsoft.com/internal/obd"/>
     <ds:schemaRef ds:uri="http://schemas.microsoft.com/office/infopath/2007/PartnerControls"/>
+  </ds:schemaRefs>
+</ds:datastoreItem>
+</file>
+
+<file path=customXml/itemProps2.xml><?xml version="1.0" encoding="utf-8"?>
+<ds:datastoreItem xmlns:ds="http://schemas.openxmlformats.org/officeDocument/2006/customXml" ds:itemID="{4AEAC9A2-2CDC-4AA7-83EE-65A10EF3B8C7}">
+  <ds:schemaRefs>
+    <ds:schemaRef ds:uri="http://schemas.microsoft.com/sharepoint/v3/contenttype/forms"/>
   </ds:schemaRefs>
 </ds:datastoreItem>
 </file>
